--- a/FlexArp Instructions.pptx
+++ b/FlexArp Instructions.pptx
@@ -4728,7 +4728,7 @@
         </p:nvSpPr>
         <p:spPr>
           <a:xfrm>
-            <a:off x="4152486" y="544260"/>
+            <a:off x="4152486" y="478566"/>
             <a:ext cx="5558756" cy="2673555"/>
           </a:xfrm>
           <a:prstGeom prst="rect">
@@ -4738,14 +4738,45 @@
         </p:spPr>
         <p:txBody>
           <a:bodyPr wrap="square" rtlCol="0">
-            <a:normAutofit fontScale="92500" lnSpcReduction="20000"/>
+            <a:normAutofit fontScale="70000" lnSpcReduction="20000"/>
           </a:bodyPr>
           <a:lstStyle/>
           <a:p>
             <a:r>
+              <a:rPr lang="en-US" sz="1100" dirty="0" smtClean="0"/>
+              <a:t>The </a:t>
+            </a:r>
+            <a:r>
+              <a:rPr lang="en-US" sz="1100" dirty="0" err="1" smtClean="0"/>
+              <a:t>arpeggiator</a:t>
+            </a:r>
+            <a:r>
+              <a:rPr lang="en-US" sz="1100" dirty="0" smtClean="0"/>
+              <a:t> will play 5 octaves of notes. If an </a:t>
+            </a:r>
+            <a:r>
+              <a:rPr lang="en-US" sz="1100" dirty="0" err="1" smtClean="0"/>
+              <a:t>apreggio</a:t>
+            </a:r>
+            <a:r>
+              <a:rPr lang="en-US" sz="1100" dirty="0"/>
+              <a:t> </a:t>
+            </a:r>
+            <a:r>
+              <a:rPr lang="en-US" sz="1100" dirty="0" smtClean="0"/>
+              <a:t>tries to play above this, we drop the remainder of it 5 octaves, then continue to play from that level.</a:t>
+            </a:r>
+            <a:endParaRPr lang="en-US" sz="1100" dirty="0" smtClean="0"/>
+          </a:p>
+          <a:p>
+            <a:endParaRPr lang="en-US" sz="1100" b="1" u="sng" dirty="0"/>
+          </a:p>
+          <a:p>
+            <a:r>
               <a:rPr lang="en-US" sz="1100" b="1" u="sng" dirty="0" smtClean="0"/>
               <a:t>Outputs</a:t>
             </a:r>
+            <a:endParaRPr lang="en-US" sz="1100" b="1" u="sng" dirty="0" smtClean="0"/>
           </a:p>
           <a:p>
             <a:endParaRPr lang="en-US" sz="1100" b="1" u="sng" dirty="0"/>
@@ -4759,14 +4790,24 @@
           <a:p>
             <a:r>
               <a:rPr lang="en-US" sz="1100" dirty="0"/>
-              <a:t>D0 triggers every time the entire arpeggio sequence starts again.</a:t>
-            </a:r>
+              <a:t>D0 triggers every time the entire arpeggio sequence starts </a:t>
+            </a:r>
+            <a:r>
+              <a:rPr lang="en-US" sz="1100" dirty="0" smtClean="0"/>
+              <a:t>again</a:t>
+            </a:r>
+            <a:endParaRPr lang="en-US" sz="1100" dirty="0"/>
           </a:p>
           <a:p>
             <a:r>
               <a:rPr lang="en-US" sz="1100" dirty="0"/>
-              <a:t>D1 triggers every time the arpeggio changes octave.</a:t>
-            </a:r>
+              <a:t>D1 triggers every time the arpeggio changes octave</a:t>
+            </a:r>
+            <a:r>
+              <a:rPr lang="en-US" sz="1100" dirty="0" smtClean="0"/>
+              <a:t>.</a:t>
+            </a:r>
+            <a:endParaRPr lang="en-US" sz="1100" dirty="0"/>
           </a:p>
           <a:p>
             <a:endParaRPr lang="en-US" sz="1100" b="1" u="sng" dirty="0" smtClean="0"/>
@@ -4792,7 +4833,15 @@
           <a:p>
             <a:r>
               <a:rPr lang="en-US" sz="1100" dirty="0" smtClean="0"/>
-              <a:t>To enter Control Mode, turn the A3 control all the way up.</a:t>
+              <a:t>To enter Control Mode, turn the </a:t>
+            </a:r>
+            <a:r>
+              <a:rPr lang="en-US" sz="1100" dirty="0" smtClean="0"/>
+              <a:t>A2 and A3 controls </a:t>
+            </a:r>
+            <a:r>
+              <a:rPr lang="en-US" sz="1100" dirty="0" smtClean="0"/>
+              <a:t>all the way up.</a:t>
             </a:r>
           </a:p>
           <a:p>
@@ -4819,7 +4868,23 @@
           <a:p>
             <a:r>
               <a:rPr lang="en-US" sz="1100" dirty="0" smtClean="0"/>
-              <a:t>You can also enter this mode on the fly using CV to achieve some extensive variations, switching between modes using a CV source. The same CV source will then influence different parameters once control mode is exited (which again, you would do by changing the appropriate CV). Some pretty complex automation of this can be achieved using </a:t>
+              <a:t>You can also enter this mode on the fly using </a:t>
+            </a:r>
+            <a:r>
+              <a:rPr lang="en-US" sz="1100" dirty="0" smtClean="0"/>
+              <a:t>CV, then switch </a:t>
+            </a:r>
+            <a:r>
+              <a:rPr lang="en-US" sz="1100" dirty="0" smtClean="0"/>
+              <a:t>between </a:t>
+            </a:r>
+            <a:r>
+              <a:rPr lang="en-US" sz="1100" dirty="0" smtClean="0"/>
+              <a:t>layouts using </a:t>
+            </a:r>
+            <a:r>
+              <a:rPr lang="en-US" sz="1100" dirty="0" smtClean="0"/>
+              <a:t>a CV source. The same CV source will then influence different parameters once control mode is exited (which again, you would do by changing the appropriate CV). Some pretty complex automation of this can be achieved using </a:t>
             </a:r>
             <a:r>
               <a:rPr lang="en-US" sz="1100" dirty="0"/>
@@ -4827,7 +4892,11 @@
             </a:r>
             <a:r>
               <a:rPr lang="en-US" sz="1100" dirty="0" smtClean="0"/>
-              <a:t>oltage controlled switches.</a:t>
+              <a:t>oltage controlled </a:t>
+            </a:r>
+            <a:r>
+              <a:rPr lang="en-US" sz="1100" dirty="0" smtClean="0"/>
+              <a:t>switches, although this is non-trivial, and needs a VC switch (with 2 inputs on each) for each of the 4 knobs to be completely effective.</a:t>
             </a:r>
             <a:endParaRPr lang="en-US" sz="1100" dirty="0"/>
           </a:p>
@@ -4842,14 +4911,14 @@
           <p:nvPr>
             <p:extLst>
               <p:ext uri="{D42A27DB-BD31-4B8C-83A1-F6EECF244321}">
-                <p14:modId xmlns:p14="http://schemas.microsoft.com/office/powerpoint/2010/main" val="3561208632"/>
+                <p14:modId xmlns:p14="http://schemas.microsoft.com/office/powerpoint/2010/main" val="4271889668"/>
               </p:ext>
             </p:extLst>
           </p:nvPr>
         </p:nvGraphicFramePr>
         <p:xfrm>
           <a:off x="242337" y="202750"/>
-          <a:ext cx="3695518" cy="2976879"/>
+          <a:ext cx="3695518" cy="2499359"/>
         </p:xfrm>
         <a:graphic>
           <a:graphicData uri="http://schemas.openxmlformats.org/drawingml/2006/table">
@@ -4861,8 +4930,8 @@
                 <a:gridCol w="789629"/>
                 <a:gridCol w="2905889"/>
               </a:tblGrid>
-              <a:tr h="370840">
-                <a:tc>
+              <a:tr h="219698">
+                <a:tc gridSpan="2">
                   <a:txBody>
                     <a:bodyPr/>
                     <a:lstStyle/>
@@ -4877,36 +4946,32 @@
                   </a:txBody>
                   <a:tcPr/>
                 </a:tc>
-                <a:tc>
-                  <a:txBody>
-                    <a:bodyPr/>
-                    <a:lstStyle/>
-                    <a:p>
-                      <a:r>
-                        <a:rPr lang="en-US" sz="1400" dirty="0" smtClean="0"/>
-                        <a:t>Description</a:t>
-                      </a:r>
+                <a:tc hMerge="1">
+                  <a:txBody>
+                    <a:bodyPr/>
+                    <a:lstStyle/>
+                    <a:p>
                       <a:endParaRPr lang="en-US" sz="1400" dirty="0"/>
                     </a:p>
                   </a:txBody>
                   <a:tcPr/>
                 </a:tc>
               </a:tr>
-              <a:tr h="370840">
-                <a:tc>
-                  <a:txBody>
-                    <a:bodyPr/>
-                    <a:lstStyle/>
-                    <a:p>
-                      <a:pPr algn="ctr"/>
-                      <a:r>
-                        <a:rPr lang="en-US" sz="1400" dirty="0" smtClean="0"/>
+              <a:tr h="219698">
+                <a:tc>
+                  <a:txBody>
+                    <a:bodyPr/>
+                    <a:lstStyle/>
+                    <a:p>
+                      <a:pPr algn="ctr"/>
+                      <a:r>
+                        <a:rPr lang="en-US" sz="1200" b="1" dirty="0" smtClean="0"/>
                         <a:t>Up</a:t>
                       </a:r>
-                      <a:endParaRPr lang="en-US" sz="1400" dirty="0"/>
-                    </a:p>
-                  </a:txBody>
-                  <a:tcPr/>
+                      <a:endParaRPr lang="en-US" sz="1200" b="1" dirty="0"/>
+                    </a:p>
+                  </a:txBody>
+                  <a:tcPr anchor="ctr"/>
                 </a:tc>
                 <a:tc>
                   <a:txBody>
@@ -4927,21 +4992,21 @@
                   <a:tcPr anchor="ctr"/>
                 </a:tc>
               </a:tr>
-              <a:tr h="370840">
-                <a:tc>
-                  <a:txBody>
-                    <a:bodyPr/>
-                    <a:lstStyle/>
-                    <a:p>
-                      <a:pPr algn="ctr"/>
-                      <a:r>
-                        <a:rPr lang="en-US" sz="1400" dirty="0" smtClean="0"/>
+              <a:tr h="219698">
+                <a:tc>
+                  <a:txBody>
+                    <a:bodyPr/>
+                    <a:lstStyle/>
+                    <a:p>
+                      <a:pPr algn="ctr"/>
+                      <a:r>
+                        <a:rPr lang="en-US" sz="1200" b="1" dirty="0" smtClean="0"/>
                         <a:t>Down</a:t>
                       </a:r>
-                      <a:endParaRPr lang="en-US" sz="1400" dirty="0"/>
-                    </a:p>
-                  </a:txBody>
-                  <a:tcPr/>
+                      <a:endParaRPr lang="en-US" sz="1200" b="1" dirty="0"/>
+                    </a:p>
+                  </a:txBody>
+                  <a:tcPr anchor="ctr"/>
                 </a:tc>
                 <a:tc>
                   <a:txBody>
@@ -4958,21 +5023,21 @@
                   <a:tcPr anchor="ctr"/>
                 </a:tc>
               </a:tr>
-              <a:tr h="370840">
-                <a:tc>
-                  <a:txBody>
-                    <a:bodyPr/>
-                    <a:lstStyle/>
-                    <a:p>
-                      <a:pPr algn="ctr"/>
-                      <a:r>
-                        <a:rPr lang="en-US" sz="1400" dirty="0" smtClean="0"/>
+              <a:tr h="270861">
+                <a:tc>
+                  <a:txBody>
+                    <a:bodyPr/>
+                    <a:lstStyle/>
+                    <a:p>
+                      <a:pPr algn="ctr"/>
+                      <a:r>
+                        <a:rPr lang="en-US" sz="1200" b="1" dirty="0" smtClean="0"/>
                         <a:t>Up/Down</a:t>
                       </a:r>
-                      <a:endParaRPr lang="en-US" sz="1400" dirty="0"/>
-                    </a:p>
-                  </a:txBody>
-                  <a:tcPr/>
+                      <a:endParaRPr lang="en-US" sz="1200" b="1" dirty="0"/>
+                    </a:p>
+                  </a:txBody>
+                  <a:tcPr anchor="ctr"/>
                 </a:tc>
                 <a:tc>
                   <a:txBody>
@@ -5005,21 +5070,21 @@
                   <a:tcPr anchor="ctr"/>
                 </a:tc>
               </a:tr>
-              <a:tr h="370840">
-                <a:tc>
-                  <a:txBody>
-                    <a:bodyPr/>
-                    <a:lstStyle/>
-                    <a:p>
-                      <a:pPr algn="ctr"/>
-                      <a:r>
-                        <a:rPr lang="en-US" sz="1400" dirty="0" smtClean="0"/>
+              <a:tr h="270861">
+                <a:tc>
+                  <a:txBody>
+                    <a:bodyPr/>
+                    <a:lstStyle/>
+                    <a:p>
+                      <a:pPr algn="ctr"/>
+                      <a:r>
+                        <a:rPr lang="en-US" sz="1200" b="1" dirty="0" smtClean="0"/>
                         <a:t>Root-Up</a:t>
                       </a:r>
-                      <a:endParaRPr lang="en-US" sz="1400" dirty="0"/>
-                    </a:p>
-                  </a:txBody>
-                  <a:tcPr/>
+                      <a:endParaRPr lang="en-US" sz="1200" b="1" dirty="0"/>
+                    </a:p>
+                  </a:txBody>
+                  <a:tcPr anchor="ctr"/>
                 </a:tc>
                 <a:tc>
                   <a:txBody>
@@ -5040,21 +5105,21 @@
                   <a:tcPr anchor="ctr"/>
                 </a:tc>
               </a:tr>
-              <a:tr h="370840">
-                <a:tc>
-                  <a:txBody>
-                    <a:bodyPr/>
-                    <a:lstStyle/>
-                    <a:p>
-                      <a:pPr algn="ctr"/>
-                      <a:r>
-                        <a:rPr lang="en-US" sz="1400" dirty="0" smtClean="0"/>
+              <a:tr h="270861">
+                <a:tc>
+                  <a:txBody>
+                    <a:bodyPr/>
+                    <a:lstStyle/>
+                    <a:p>
+                      <a:pPr algn="ctr"/>
+                      <a:r>
+                        <a:rPr lang="en-US" sz="1200" b="1" dirty="0" smtClean="0"/>
                         <a:t>Ping-Pong</a:t>
                       </a:r>
-                      <a:endParaRPr lang="en-US" sz="1400" dirty="0"/>
-                    </a:p>
-                  </a:txBody>
-                  <a:tcPr/>
+                      <a:endParaRPr lang="en-US" sz="1200" b="1" dirty="0"/>
+                    </a:p>
+                  </a:txBody>
+                  <a:tcPr anchor="ctr"/>
                 </a:tc>
                 <a:tc>
                   <a:txBody>
@@ -5075,21 +5140,21 @@
                   <a:tcPr anchor="ctr"/>
                 </a:tc>
               </a:tr>
-              <a:tr h="370840">
-                <a:tc>
-                  <a:txBody>
-                    <a:bodyPr/>
-                    <a:lstStyle/>
-                    <a:p>
-                      <a:pPr algn="ctr"/>
-                      <a:r>
-                        <a:rPr lang="en-US" sz="1400" dirty="0" smtClean="0"/>
+              <a:tr h="219698">
+                <a:tc>
+                  <a:txBody>
+                    <a:bodyPr/>
+                    <a:lstStyle/>
+                    <a:p>
+                      <a:pPr algn="ctr"/>
+                      <a:r>
+                        <a:rPr lang="en-US" sz="1200" b="1" dirty="0" smtClean="0"/>
                         <a:t>Random</a:t>
                       </a:r>
-                      <a:endParaRPr lang="en-US" sz="1400" dirty="0"/>
-                    </a:p>
-                  </a:txBody>
-                  <a:tcPr/>
+                      <a:endParaRPr lang="en-US" sz="1200" b="1" dirty="0"/>
+                    </a:p>
+                  </a:txBody>
+                  <a:tcPr anchor="ctr"/>
                 </a:tc>
                 <a:tc>
                   <a:txBody>
@@ -5119,14 +5184,14 @@
           <p:nvPr>
             <p:extLst>
               <p:ext uri="{D42A27DB-BD31-4B8C-83A1-F6EECF244321}">
-                <p14:modId xmlns:p14="http://schemas.microsoft.com/office/powerpoint/2010/main" val="181649314"/>
+                <p14:modId xmlns:p14="http://schemas.microsoft.com/office/powerpoint/2010/main" val="3723980835"/>
               </p:ext>
             </p:extLst>
           </p:nvPr>
         </p:nvGraphicFramePr>
         <p:xfrm>
           <a:off x="242337" y="3388367"/>
-          <a:ext cx="1422447" cy="3230879"/>
+          <a:ext cx="1422447" cy="3474719"/>
         </p:xfrm>
         <a:graphic>
           <a:graphicData uri="http://schemas.openxmlformats.org/drawingml/2006/table">
@@ -5197,7 +5262,7 @@
                       <a:pPr algn="ctr"/>
                       <a:r>
                         <a:rPr lang="en-US" sz="1000" dirty="0" smtClean="0"/>
-                        <a:t>Blues</a:t>
+                        <a:t>Ionian</a:t>
                       </a:r>
                       <a:endParaRPr lang="en-US" sz="1000" dirty="0"/>
                     </a:p>
@@ -5214,7 +5279,7 @@
                       <a:pPr algn="ctr"/>
                       <a:r>
                         <a:rPr lang="en-US" sz="1000" dirty="0" smtClean="0"/>
-                        <a:t>Augmented</a:t>
+                        <a:t>Aeolian</a:t>
                       </a:r>
                       <a:endParaRPr lang="en-US" sz="1000" dirty="0"/>
                     </a:p>
@@ -5231,7 +5296,7 @@
                       <a:pPr algn="ctr"/>
                       <a:r>
                         <a:rPr lang="en-US" sz="1000" dirty="0" smtClean="0"/>
-                        <a:t>Ionian</a:t>
+                        <a:t>Lydian</a:t>
                       </a:r>
                       <a:endParaRPr lang="en-US" sz="1000" dirty="0"/>
                     </a:p>
@@ -5247,8 +5312,8 @@
                     <a:p>
                       <a:pPr algn="ctr"/>
                       <a:r>
-                        <a:rPr lang="en-US" sz="1000" dirty="0" smtClean="0"/>
-                        <a:t>Aeolian</a:t>
+                        <a:rPr lang="en-US" sz="1000" dirty="0" err="1" smtClean="0"/>
+                        <a:t>Mixolydian</a:t>
                       </a:r>
                       <a:endParaRPr lang="en-US" sz="1000" dirty="0"/>
                     </a:p>
@@ -5265,7 +5330,7 @@
                       <a:pPr algn="ctr"/>
                       <a:r>
                         <a:rPr lang="en-US" sz="1000" dirty="0" smtClean="0"/>
-                        <a:t>Lydian</a:t>
+                        <a:t>Dorian</a:t>
                       </a:r>
                       <a:endParaRPr lang="en-US" sz="1000" dirty="0"/>
                     </a:p>
@@ -5281,8 +5346,8 @@
                     <a:p>
                       <a:pPr algn="ctr"/>
                       <a:r>
-                        <a:rPr lang="en-US" sz="1000" dirty="0" err="1" smtClean="0"/>
-                        <a:t>Mixolydian</a:t>
+                        <a:rPr lang="en-US" sz="1000" dirty="0" smtClean="0"/>
+                        <a:t>Phrygian</a:t>
                       </a:r>
                       <a:endParaRPr lang="en-US" sz="1000" dirty="0"/>
                     </a:p>
@@ -5298,8 +5363,8 @@
                     <a:p>
                       <a:pPr algn="ctr"/>
                       <a:r>
-                        <a:rPr lang="en-US" sz="1000" dirty="0" smtClean="0"/>
-                        <a:t>Dorian</a:t>
+                        <a:rPr lang="en-US" sz="1000" dirty="0" err="1" smtClean="0"/>
+                        <a:t>Locrian</a:t>
                       </a:r>
                       <a:endParaRPr lang="en-US" sz="1000" dirty="0"/>
                     </a:p>
@@ -5316,7 +5381,7 @@
                       <a:pPr algn="ctr"/>
                       <a:r>
                         <a:rPr lang="en-US" sz="1000" dirty="0" smtClean="0"/>
-                        <a:t>Phrygian</a:t>
+                        <a:t>Blues</a:t>
                       </a:r>
                       <a:endParaRPr lang="en-US" sz="1000" dirty="0"/>
                     </a:p>
@@ -5332,8 +5397,25 @@
                     <a:p>
                       <a:pPr algn="ctr"/>
                       <a:r>
-                        <a:rPr lang="en-US" sz="1000" dirty="0" err="1" smtClean="0"/>
-                        <a:t>Locrian</a:t>
+                        <a:rPr lang="en-US" sz="1000" dirty="0" smtClean="0"/>
+                        <a:t>Augmented</a:t>
+                      </a:r>
+                      <a:endParaRPr lang="en-US" sz="1000" dirty="0"/>
+                    </a:p>
+                  </a:txBody>
+                  <a:tcPr/>
+                </a:tc>
+              </a:tr>
+              <a:tr h="195897">
+                <a:tc>
+                  <a:txBody>
+                    <a:bodyPr/>
+                    <a:lstStyle/>
+                    <a:p>
+                      <a:pPr algn="ctr"/>
+                      <a:r>
+                        <a:rPr lang="en-US" sz="1000" smtClean="0"/>
+                        <a:t>Octaves</a:t>
                       </a:r>
                       <a:endParaRPr lang="en-US" sz="1000" dirty="0"/>
                     </a:p>
@@ -5430,11 +5512,7 @@
                       </a:r>
                       <a:r>
                         <a:rPr lang="en-US" sz="900" baseline="0" dirty="0" smtClean="0"/>
-                        <a:t> the distance </a:t>
-                      </a:r>
-                      <a:r>
-                        <a:rPr lang="en-US" sz="900" baseline="0" dirty="0" smtClean="0"/>
-                        <a:t>and </a:t>
+                        <a:t> the distance and </a:t>
                       </a:r>
                       <a:r>
                         <a:rPr lang="en-US" sz="900" baseline="0" smtClean="0"/>
@@ -5605,7 +5683,7 @@
         </p:nvSpPr>
         <p:spPr>
           <a:xfrm>
-            <a:off x="5806599" y="202750"/>
+            <a:off x="5806599" y="93260"/>
             <a:ext cx="2243648" cy="400110"/>
           </a:xfrm>
           <a:prstGeom prst="rect">

--- a/FlexArp Instructions.pptx
+++ b/FlexArp Instructions.pptx
@@ -3097,21 +3097,21 @@
       </p:grpSpPr>
       <p:graphicFrame>
         <p:nvGraphicFramePr>
-          <p:cNvPr id="4" name="Table 3"/>
+          <p:cNvPr id="9" name="Table 8"/>
           <p:cNvGraphicFramePr>
             <a:graphicFrameLocks noGrp="1"/>
           </p:cNvGraphicFramePr>
           <p:nvPr>
             <p:extLst>
               <p:ext uri="{D42A27DB-BD31-4B8C-83A1-F6EECF244321}">
-                <p14:modId xmlns:p14="http://schemas.microsoft.com/office/powerpoint/2010/main" val="1993934835"/>
+                <p14:modId xmlns:p14="http://schemas.microsoft.com/office/powerpoint/2010/main" val="2788103454"/>
               </p:ext>
             </p:extLst>
           </p:nvPr>
         </p:nvGraphicFramePr>
         <p:xfrm>
-          <a:off x="7061549" y="3217815"/>
-          <a:ext cx="2649693" cy="1066800"/>
+          <a:off x="3833352" y="4336391"/>
+          <a:ext cx="1902244" cy="1082040"/>
         </p:xfrm>
         <a:graphic>
           <a:graphicData uri="http://schemas.openxmlformats.org/drawingml/2006/table">
@@ -3120,12 +3120,12 @@
                 <a:tableStyleId>{3C2FFA5D-87B4-456A-9821-1D502468CF0F}</a:tableStyleId>
               </a:tblPr>
               <a:tblGrid>
-                <a:gridCol w="824833"/>
-                <a:gridCol w="800377"/>
-                <a:gridCol w="522913"/>
-                <a:gridCol w="501570"/>
+                <a:gridCol w="571750"/>
+                <a:gridCol w="595006"/>
+                <a:gridCol w="375405"/>
+                <a:gridCol w="360083"/>
               </a:tblGrid>
-              <a:tr h="121615">
+              <a:tr h="266700">
                 <a:tc>
                   <a:txBody>
                     <a:bodyPr/>
@@ -3156,7 +3156,64 @@
                   </a:txBody>
                   <a:tcPr/>
                 </a:tc>
-                <a:tc rowSpan="2">
+                <a:tc gridSpan="2">
+                  <a:txBody>
+                    <a:bodyPr/>
+                    <a:lstStyle/>
+                    <a:p>
+                      <a:pPr algn="ctr"/>
+                      <a:r>
+                        <a:rPr lang="en-US" sz="1200" b="1" i="1" dirty="0" smtClean="0"/>
+                        <a:t>Default</a:t>
+                      </a:r>
+                      <a:endParaRPr lang="en-US" sz="1100" b="1" i="1" dirty="0"/>
+                    </a:p>
+                  </a:txBody>
+                  <a:tcPr anchor="ctr"/>
+                </a:tc>
+                <a:tc hMerge="1">
+                  <a:txBody>
+                    <a:bodyPr/>
+                    <a:lstStyle/>
+                    <a:p>
+                      <a:endParaRPr lang="en-US" dirty="0"/>
+                    </a:p>
+                  </a:txBody>
+                  <a:tcPr anchor="ctr"/>
+                </a:tc>
+              </a:tr>
+              <a:tr h="121615">
+                <a:tc>
+                  <a:txBody>
+                    <a:bodyPr/>
+                    <a:lstStyle/>
+                    <a:p>
+                      <a:pPr algn="ctr"/>
+                      <a:r>
+                        <a:rPr lang="en-US" sz="1100" dirty="0" smtClean="0"/>
+                        <a:t>Mode</a:t>
+                      </a:r>
+                      <a:endParaRPr lang="en-US" sz="1100" dirty="0"/>
+                    </a:p>
+                  </a:txBody>
+                  <a:tcPr/>
+                </a:tc>
+                <a:tc>
+                  <a:txBody>
+                    <a:bodyPr/>
+                    <a:lstStyle/>
+                    <a:p>
+                      <a:pPr algn="ctr"/>
+                      <a:r>
+                        <a:rPr lang="en-US" sz="1100" dirty="0" smtClean="0"/>
+                        <a:t>Scale</a:t>
+                      </a:r>
+                      <a:endParaRPr lang="en-US" sz="1100" dirty="0"/>
+                    </a:p>
+                  </a:txBody>
+                  <a:tcPr/>
+                </a:tc>
+                <a:tc>
                   <a:txBody>
                     <a:bodyPr/>
                     <a:lstStyle/>
@@ -3171,7 +3228,7 @@
                   </a:txBody>
                   <a:tcPr anchor="ctr"/>
                 </a:tc>
-                <a:tc rowSpan="2">
+                <a:tc>
                   <a:txBody>
                     <a:bodyPr/>
                     <a:lstStyle/>
@@ -3195,58 +3252,6 @@
                     <a:p>
                       <a:pPr algn="ctr"/>
                       <a:r>
-                        <a:rPr lang="en-US" sz="1100" dirty="0" smtClean="0"/>
-                        <a:t>Mode</a:t>
-                      </a:r>
-                      <a:endParaRPr lang="en-US" sz="1100" dirty="0"/>
-                    </a:p>
-                  </a:txBody>
-                  <a:tcPr/>
-                </a:tc>
-                <a:tc>
-                  <a:txBody>
-                    <a:bodyPr/>
-                    <a:lstStyle/>
-                    <a:p>
-                      <a:pPr algn="ctr"/>
-                      <a:r>
-                        <a:rPr lang="en-US" sz="1100" dirty="0" smtClean="0"/>
-                        <a:t>Octaves</a:t>
-                      </a:r>
-                      <a:endParaRPr lang="en-US" sz="1100" dirty="0"/>
-                    </a:p>
-                  </a:txBody>
-                  <a:tcPr/>
-                </a:tc>
-                <a:tc vMerge="1">
-                  <a:txBody>
-                    <a:bodyPr/>
-                    <a:lstStyle/>
-                    <a:p>
-                      <a:endParaRPr lang="en-US" sz="1400" dirty="0"/>
-                    </a:p>
-                  </a:txBody>
-                  <a:tcPr/>
-                </a:tc>
-                <a:tc vMerge="1">
-                  <a:txBody>
-                    <a:bodyPr/>
-                    <a:lstStyle/>
-                    <a:p>
-                      <a:endParaRPr lang="en-US" sz="1400" dirty="0"/>
-                    </a:p>
-                  </a:txBody>
-                  <a:tcPr/>
-                </a:tc>
-              </a:tr>
-              <a:tr h="121615">
-                <a:tc>
-                  <a:txBody>
-                    <a:bodyPr/>
-                    <a:lstStyle/>
-                    <a:p>
-                      <a:pPr algn="ctr"/>
-                      <a:r>
                         <a:rPr lang="en-US" sz="1200" b="1" dirty="0" smtClean="0"/>
                         <a:t>A2</a:t>
                       </a:r>
@@ -3287,10 +3292,6 @@
                     <a:lstStyle/>
                     <a:p>
                       <a:pPr algn="ctr"/>
-                      <a:r>
-                        <a:rPr lang="en-US" sz="1200" dirty="0" smtClean="0"/>
-                        <a:t>On</a:t>
-                      </a:r>
                       <a:endParaRPr lang="en-US" sz="1200" dirty="0"/>
                     </a:p>
                   </a:txBody>
@@ -3306,11 +3307,7 @@
                       <a:pPr algn="ctr"/>
                       <a:r>
                         <a:rPr lang="en-US" sz="1100" dirty="0" smtClean="0"/>
-                        <a:t>Steps / </a:t>
-                      </a:r>
-                      <a:r>
-                        <a:rPr lang="en-US" sz="1100" dirty="0" err="1" smtClean="0"/>
-                        <a:t>Dist</a:t>
+                        <a:t>S/D</a:t>
                       </a:r>
                       <a:endParaRPr lang="en-US" sz="1100" dirty="0"/>
                     </a:p>
@@ -3325,7 +3322,7 @@
                       <a:pPr algn="ctr"/>
                       <a:r>
                         <a:rPr lang="en-US" sz="1100" dirty="0" smtClean="0"/>
-                        <a:t>Scale</a:t>
+                        <a:t>O/R</a:t>
                       </a:r>
                       <a:endParaRPr lang="en-US" sz="1100" dirty="0"/>
                     </a:p>
@@ -3357,1369 +3354,6 @@
           </a:graphicData>
         </a:graphic>
       </p:graphicFrame>
-      <p:graphicFrame>
-        <p:nvGraphicFramePr>
-          <p:cNvPr id="5" name="Table 4"/>
-          <p:cNvGraphicFramePr>
-            <a:graphicFrameLocks noGrp="1"/>
-          </p:cNvGraphicFramePr>
-          <p:nvPr>
-            <p:extLst>
-              <p:ext uri="{D42A27DB-BD31-4B8C-83A1-F6EECF244321}">
-                <p14:modId xmlns:p14="http://schemas.microsoft.com/office/powerpoint/2010/main" val="2807597022"/>
-              </p:ext>
-            </p:extLst>
-          </p:nvPr>
-        </p:nvGraphicFramePr>
-        <p:xfrm>
-          <a:off x="4152486" y="5550262"/>
-          <a:ext cx="2649693" cy="1066800"/>
-        </p:xfrm>
-        <a:graphic>
-          <a:graphicData uri="http://schemas.openxmlformats.org/drawingml/2006/table">
-            <a:tbl>
-              <a:tblPr>
-                <a:tableStyleId>{3C2FFA5D-87B4-456A-9821-1D502468CF0F}</a:tableStyleId>
-              </a:tblPr>
-              <a:tblGrid>
-                <a:gridCol w="824833"/>
-                <a:gridCol w="800377"/>
-                <a:gridCol w="522913"/>
-                <a:gridCol w="501570"/>
-              </a:tblGrid>
-              <a:tr h="121615">
-                <a:tc>
-                  <a:txBody>
-                    <a:bodyPr/>
-                    <a:lstStyle/>
-                    <a:p>
-                      <a:pPr algn="ctr"/>
-                      <a:r>
-                        <a:rPr lang="en-US" sz="1200" b="1" dirty="0" smtClean="0"/>
-                        <a:t>A0</a:t>
-                      </a:r>
-                      <a:endParaRPr lang="en-US" sz="1200" b="1" dirty="0"/>
-                    </a:p>
-                  </a:txBody>
-                  <a:tcPr/>
-                </a:tc>
-                <a:tc>
-                  <a:txBody>
-                    <a:bodyPr/>
-                    <a:lstStyle/>
-                    <a:p>
-                      <a:pPr algn="ctr"/>
-                      <a:r>
-                        <a:rPr lang="en-US" sz="1200" b="1" dirty="0" smtClean="0"/>
-                        <a:t>A1</a:t>
-                      </a:r>
-                      <a:endParaRPr lang="en-US" sz="1200" b="1" dirty="0"/>
-                    </a:p>
-                  </a:txBody>
-                  <a:tcPr/>
-                </a:tc>
-                <a:tc rowSpan="2">
-                  <a:txBody>
-                    <a:bodyPr/>
-                    <a:lstStyle/>
-                    <a:p>
-                      <a:pPr algn="ctr"/>
-                      <a:r>
-                        <a:rPr lang="en-US" sz="1200" b="1" dirty="0" smtClean="0"/>
-                        <a:t>D0</a:t>
-                      </a:r>
-                      <a:endParaRPr lang="en-US" sz="1200" b="1" dirty="0"/>
-                    </a:p>
-                  </a:txBody>
-                  <a:tcPr anchor="ctr"/>
-                </a:tc>
-                <a:tc rowSpan="2">
-                  <a:txBody>
-                    <a:bodyPr/>
-                    <a:lstStyle/>
-                    <a:p>
-                      <a:pPr algn="ctr"/>
-                      <a:r>
-                        <a:rPr lang="en-US" sz="1200" b="1" dirty="0" smtClean="0"/>
-                        <a:t>D1</a:t>
-                      </a:r>
-                      <a:endParaRPr lang="en-US" sz="1200" b="1" dirty="0"/>
-                    </a:p>
-                  </a:txBody>
-                  <a:tcPr anchor="ctr"/>
-                </a:tc>
-              </a:tr>
-              <a:tr h="121615">
-                <a:tc>
-                  <a:txBody>
-                    <a:bodyPr/>
-                    <a:lstStyle/>
-                    <a:p>
-                      <a:pPr marL="0" marR="0" indent="0" algn="ctr" defTabSz="457200" rtl="0" eaLnBrk="1" fontAlgn="auto" latinLnBrk="0" hangingPunct="1">
-                        <a:lnSpc>
-                          <a:spcPct val="100000"/>
-                        </a:lnSpc>
-                        <a:spcBef>
-                          <a:spcPts val="0"/>
-                        </a:spcBef>
-                        <a:spcAft>
-                          <a:spcPts val="0"/>
-                        </a:spcAft>
-                        <a:buClrTx/>
-                        <a:buSzTx/>
-                        <a:buFontTx/>
-                        <a:buNone/>
-                        <a:tabLst/>
-                        <a:defRPr/>
-                      </a:pPr>
-                      <a:r>
-                        <a:rPr lang="en-US" sz="1100" dirty="0" smtClean="0"/>
-                        <a:t>Steps / </a:t>
-                      </a:r>
-                      <a:r>
-                        <a:rPr lang="en-US" sz="1100" dirty="0" err="1" smtClean="0"/>
-                        <a:t>Dist</a:t>
-                      </a:r>
-                      <a:endParaRPr lang="en-US" sz="1100" dirty="0" smtClean="0"/>
-                    </a:p>
-                  </a:txBody>
-                  <a:tcPr/>
-                </a:tc>
-                <a:tc>
-                  <a:txBody>
-                    <a:bodyPr/>
-                    <a:lstStyle/>
-                    <a:p>
-                      <a:pPr algn="ctr"/>
-                      <a:r>
-                        <a:rPr lang="en-US" sz="1100" dirty="0" smtClean="0"/>
-                        <a:t>Scale</a:t>
-                      </a:r>
-                      <a:endParaRPr lang="en-US" sz="1100" dirty="0"/>
-                    </a:p>
-                  </a:txBody>
-                  <a:tcPr/>
-                </a:tc>
-                <a:tc vMerge="1">
-                  <a:txBody>
-                    <a:bodyPr/>
-                    <a:lstStyle/>
-                    <a:p>
-                      <a:endParaRPr lang="en-US" sz="1400" dirty="0"/>
-                    </a:p>
-                  </a:txBody>
-                  <a:tcPr/>
-                </a:tc>
-                <a:tc vMerge="1">
-                  <a:txBody>
-                    <a:bodyPr/>
-                    <a:lstStyle/>
-                    <a:p>
-                      <a:endParaRPr lang="en-US" sz="1400" dirty="0"/>
-                    </a:p>
-                  </a:txBody>
-                  <a:tcPr/>
-                </a:tc>
-              </a:tr>
-              <a:tr h="121615">
-                <a:tc>
-                  <a:txBody>
-                    <a:bodyPr/>
-                    <a:lstStyle/>
-                    <a:p>
-                      <a:pPr algn="ctr"/>
-                      <a:r>
-                        <a:rPr lang="en-US" sz="1200" b="1" dirty="0" smtClean="0"/>
-                        <a:t>A2</a:t>
-                      </a:r>
-                      <a:endParaRPr lang="en-US" sz="1200" b="1" dirty="0"/>
-                    </a:p>
-                  </a:txBody>
-                  <a:tcPr/>
-                </a:tc>
-                <a:tc>
-                  <a:txBody>
-                    <a:bodyPr/>
-                    <a:lstStyle/>
-                    <a:p>
-                      <a:pPr algn="ctr"/>
-                      <a:r>
-                        <a:rPr lang="en-US" sz="1200" b="1" dirty="0" smtClean="0"/>
-                        <a:t>A3</a:t>
-                      </a:r>
-                      <a:endParaRPr lang="en-US" sz="1200" b="1" dirty="0"/>
-                    </a:p>
-                  </a:txBody>
-                  <a:tcPr/>
-                </a:tc>
-                <a:tc rowSpan="2">
-                  <a:txBody>
-                    <a:bodyPr/>
-                    <a:lstStyle/>
-                    <a:p>
-                      <a:pPr algn="ctr"/>
-                      <a:endParaRPr lang="en-US" sz="1200" dirty="0"/>
-                    </a:p>
-                  </a:txBody>
-                  <a:tcPr anchor="ctr"/>
-                </a:tc>
-                <a:tc rowSpan="2">
-                  <a:txBody>
-                    <a:bodyPr/>
-                    <a:lstStyle/>
-                    <a:p>
-                      <a:pPr algn="ctr"/>
-                      <a:r>
-                        <a:rPr lang="en-US" sz="1200" dirty="0" smtClean="0"/>
-                        <a:t>Flash</a:t>
-                      </a:r>
-                      <a:endParaRPr lang="en-US" sz="1200" dirty="0"/>
-                    </a:p>
-                  </a:txBody>
-                  <a:tcPr anchor="ctr"/>
-                </a:tc>
-              </a:tr>
-              <a:tr h="170261">
-                <a:tc>
-                  <a:txBody>
-                    <a:bodyPr/>
-                    <a:lstStyle/>
-                    <a:p>
-                      <a:pPr algn="ctr"/>
-                      <a:r>
-                        <a:rPr lang="en-US" sz="1100" dirty="0" smtClean="0"/>
-                        <a:t>Octaves</a:t>
-                      </a:r>
-                      <a:endParaRPr lang="en-US" sz="1100" dirty="0"/>
-                    </a:p>
-                  </a:txBody>
-                  <a:tcPr/>
-                </a:tc>
-                <a:tc>
-                  <a:txBody>
-                    <a:bodyPr/>
-                    <a:lstStyle/>
-                    <a:p>
-                      <a:pPr algn="ctr"/>
-                      <a:r>
-                        <a:rPr lang="en-US" sz="1100" dirty="0" smtClean="0"/>
-                        <a:t>Mode</a:t>
-                      </a:r>
-                      <a:endParaRPr lang="en-US" sz="1100" dirty="0"/>
-                    </a:p>
-                  </a:txBody>
-                  <a:tcPr/>
-                </a:tc>
-                <a:tc vMerge="1">
-                  <a:txBody>
-                    <a:bodyPr/>
-                    <a:lstStyle/>
-                    <a:p>
-                      <a:endParaRPr lang="en-US" sz="1400" dirty="0"/>
-                    </a:p>
-                  </a:txBody>
-                  <a:tcPr/>
-                </a:tc>
-                <a:tc vMerge="1">
-                  <a:txBody>
-                    <a:bodyPr/>
-                    <a:lstStyle/>
-                    <a:p>
-                      <a:endParaRPr lang="en-US" sz="1400" dirty="0"/>
-                    </a:p>
-                  </a:txBody>
-                  <a:tcPr/>
-                </a:tc>
-              </a:tr>
-            </a:tbl>
-          </a:graphicData>
-        </a:graphic>
-      </p:graphicFrame>
-      <p:graphicFrame>
-        <p:nvGraphicFramePr>
-          <p:cNvPr id="6" name="Table 5"/>
-          <p:cNvGraphicFramePr>
-            <a:graphicFrameLocks noGrp="1"/>
-          </p:cNvGraphicFramePr>
-          <p:nvPr>
-            <p:extLst>
-              <p:ext uri="{D42A27DB-BD31-4B8C-83A1-F6EECF244321}">
-                <p14:modId xmlns:p14="http://schemas.microsoft.com/office/powerpoint/2010/main" val="1083594627"/>
-              </p:ext>
-            </p:extLst>
-          </p:nvPr>
-        </p:nvGraphicFramePr>
-        <p:xfrm>
-          <a:off x="7061549" y="5550262"/>
-          <a:ext cx="2649693" cy="1066800"/>
-        </p:xfrm>
-        <a:graphic>
-          <a:graphicData uri="http://schemas.openxmlformats.org/drawingml/2006/table">
-            <a:tbl>
-              <a:tblPr>
-                <a:tableStyleId>{3C2FFA5D-87B4-456A-9821-1D502468CF0F}</a:tableStyleId>
-              </a:tblPr>
-              <a:tblGrid>
-                <a:gridCol w="824833"/>
-                <a:gridCol w="800377"/>
-                <a:gridCol w="522913"/>
-                <a:gridCol w="501570"/>
-              </a:tblGrid>
-              <a:tr h="121615">
-                <a:tc>
-                  <a:txBody>
-                    <a:bodyPr/>
-                    <a:lstStyle/>
-                    <a:p>
-                      <a:pPr algn="ctr"/>
-                      <a:r>
-                        <a:rPr lang="en-US" sz="1200" b="1" dirty="0" smtClean="0"/>
-                        <a:t>A0</a:t>
-                      </a:r>
-                      <a:endParaRPr lang="en-US" sz="1200" b="1" dirty="0"/>
-                    </a:p>
-                  </a:txBody>
-                  <a:tcPr/>
-                </a:tc>
-                <a:tc>
-                  <a:txBody>
-                    <a:bodyPr/>
-                    <a:lstStyle/>
-                    <a:p>
-                      <a:pPr algn="ctr"/>
-                      <a:r>
-                        <a:rPr lang="en-US" sz="1200" b="1" dirty="0" smtClean="0"/>
-                        <a:t>A1</a:t>
-                      </a:r>
-                      <a:endParaRPr lang="en-US" sz="1200" b="1" dirty="0"/>
-                    </a:p>
-                  </a:txBody>
-                  <a:tcPr/>
-                </a:tc>
-                <a:tc rowSpan="2">
-                  <a:txBody>
-                    <a:bodyPr/>
-                    <a:lstStyle/>
-                    <a:p>
-                      <a:pPr algn="ctr"/>
-                      <a:r>
-                        <a:rPr lang="en-US" sz="1200" b="1" dirty="0" smtClean="0"/>
-                        <a:t>D0</a:t>
-                      </a:r>
-                      <a:endParaRPr lang="en-US" sz="1200" b="1" dirty="0"/>
-                    </a:p>
-                  </a:txBody>
-                  <a:tcPr anchor="ctr"/>
-                </a:tc>
-                <a:tc rowSpan="2">
-                  <a:txBody>
-                    <a:bodyPr/>
-                    <a:lstStyle/>
-                    <a:p>
-                      <a:pPr algn="ctr"/>
-                      <a:r>
-                        <a:rPr lang="en-US" sz="1200" b="1" dirty="0" smtClean="0"/>
-                        <a:t>D1</a:t>
-                      </a:r>
-                      <a:endParaRPr lang="en-US" sz="1200" b="1" dirty="0"/>
-                    </a:p>
-                  </a:txBody>
-                  <a:tcPr anchor="ctr"/>
-                </a:tc>
-              </a:tr>
-              <a:tr h="121615">
-                <a:tc>
-                  <a:txBody>
-                    <a:bodyPr/>
-                    <a:lstStyle/>
-                    <a:p>
-                      <a:pPr marL="0" marR="0" indent="0" algn="ctr" defTabSz="457200" rtl="0" eaLnBrk="1" fontAlgn="auto" latinLnBrk="0" hangingPunct="1">
-                        <a:lnSpc>
-                          <a:spcPct val="100000"/>
-                        </a:lnSpc>
-                        <a:spcBef>
-                          <a:spcPts val="0"/>
-                        </a:spcBef>
-                        <a:spcAft>
-                          <a:spcPts val="0"/>
-                        </a:spcAft>
-                        <a:buClrTx/>
-                        <a:buSzTx/>
-                        <a:buFontTx/>
-                        <a:buNone/>
-                        <a:tabLst/>
-                        <a:defRPr/>
-                      </a:pPr>
-                      <a:r>
-                        <a:rPr lang="en-US" sz="1100" dirty="0" smtClean="0"/>
-                        <a:t>Steps / </a:t>
-                      </a:r>
-                      <a:r>
-                        <a:rPr lang="en-US" sz="1100" dirty="0" err="1" smtClean="0"/>
-                        <a:t>Dist</a:t>
-                      </a:r>
-                      <a:endParaRPr lang="en-US" sz="1100" dirty="0" smtClean="0"/>
-                    </a:p>
-                  </a:txBody>
-                  <a:tcPr/>
-                </a:tc>
-                <a:tc>
-                  <a:txBody>
-                    <a:bodyPr/>
-                    <a:lstStyle/>
-                    <a:p>
-                      <a:pPr algn="ctr"/>
-                      <a:r>
-                        <a:rPr lang="en-US" sz="1100" dirty="0" smtClean="0"/>
-                        <a:t>Octaves</a:t>
-                      </a:r>
-                      <a:endParaRPr lang="en-US" sz="1100" dirty="0"/>
-                    </a:p>
-                  </a:txBody>
-                  <a:tcPr/>
-                </a:tc>
-                <a:tc vMerge="1">
-                  <a:txBody>
-                    <a:bodyPr/>
-                    <a:lstStyle/>
-                    <a:p>
-                      <a:endParaRPr lang="en-US" sz="1400" dirty="0"/>
-                    </a:p>
-                  </a:txBody>
-                  <a:tcPr/>
-                </a:tc>
-                <a:tc vMerge="1">
-                  <a:txBody>
-                    <a:bodyPr/>
-                    <a:lstStyle/>
-                    <a:p>
-                      <a:endParaRPr lang="en-US" sz="1400" dirty="0"/>
-                    </a:p>
-                  </a:txBody>
-                  <a:tcPr/>
-                </a:tc>
-              </a:tr>
-              <a:tr h="121615">
-                <a:tc>
-                  <a:txBody>
-                    <a:bodyPr/>
-                    <a:lstStyle/>
-                    <a:p>
-                      <a:pPr algn="ctr"/>
-                      <a:r>
-                        <a:rPr lang="en-US" sz="1200" b="1" dirty="0" smtClean="0"/>
-                        <a:t>A2</a:t>
-                      </a:r>
-                      <a:endParaRPr lang="en-US" sz="1200" b="1" dirty="0"/>
-                    </a:p>
-                  </a:txBody>
-                  <a:tcPr/>
-                </a:tc>
-                <a:tc>
-                  <a:txBody>
-                    <a:bodyPr/>
-                    <a:lstStyle/>
-                    <a:p>
-                      <a:pPr algn="ctr"/>
-                      <a:r>
-                        <a:rPr lang="en-US" sz="1200" b="1" dirty="0" smtClean="0"/>
-                        <a:t>A3</a:t>
-                      </a:r>
-                      <a:endParaRPr lang="en-US" sz="1200" b="1" dirty="0"/>
-                    </a:p>
-                  </a:txBody>
-                  <a:tcPr/>
-                </a:tc>
-                <a:tc rowSpan="2">
-                  <a:txBody>
-                    <a:bodyPr/>
-                    <a:lstStyle/>
-                    <a:p>
-                      <a:pPr algn="ctr"/>
-                      <a:r>
-                        <a:rPr lang="en-US" sz="1200" dirty="0" smtClean="0"/>
-                        <a:t>Flash</a:t>
-                      </a:r>
-                      <a:endParaRPr lang="en-US" sz="1200" dirty="0"/>
-                    </a:p>
-                  </a:txBody>
-                  <a:tcPr anchor="ctr"/>
-                </a:tc>
-                <a:tc rowSpan="2">
-                  <a:txBody>
-                    <a:bodyPr/>
-                    <a:lstStyle/>
-                    <a:p>
-                      <a:pPr algn="ctr"/>
-                      <a:endParaRPr lang="en-US" sz="1200" dirty="0"/>
-                    </a:p>
-                  </a:txBody>
-                  <a:tcPr anchor="ctr"/>
-                </a:tc>
-              </a:tr>
-              <a:tr h="170261">
-                <a:tc>
-                  <a:txBody>
-                    <a:bodyPr/>
-                    <a:lstStyle/>
-                    <a:p>
-                      <a:pPr algn="ctr"/>
-                      <a:r>
-                        <a:rPr lang="en-US" sz="1100" dirty="0" smtClean="0"/>
-                        <a:t>Mode</a:t>
-                      </a:r>
-                      <a:endParaRPr lang="en-US" sz="1100" dirty="0"/>
-                    </a:p>
-                  </a:txBody>
-                  <a:tcPr/>
-                </a:tc>
-                <a:tc>
-                  <a:txBody>
-                    <a:bodyPr/>
-                    <a:lstStyle/>
-                    <a:p>
-                      <a:pPr algn="ctr"/>
-                      <a:r>
-                        <a:rPr lang="en-US" sz="1100" dirty="0" smtClean="0"/>
-                        <a:t>Scale</a:t>
-                      </a:r>
-                      <a:endParaRPr lang="en-US" sz="1100" dirty="0"/>
-                    </a:p>
-                  </a:txBody>
-                  <a:tcPr/>
-                </a:tc>
-                <a:tc vMerge="1">
-                  <a:txBody>
-                    <a:bodyPr/>
-                    <a:lstStyle/>
-                    <a:p>
-                      <a:endParaRPr lang="en-US" sz="1400" dirty="0"/>
-                    </a:p>
-                  </a:txBody>
-                  <a:tcPr/>
-                </a:tc>
-                <a:tc vMerge="1">
-                  <a:txBody>
-                    <a:bodyPr/>
-                    <a:lstStyle/>
-                    <a:p>
-                      <a:endParaRPr lang="en-US" sz="1400" dirty="0"/>
-                    </a:p>
-                  </a:txBody>
-                  <a:tcPr/>
-                </a:tc>
-              </a:tr>
-            </a:tbl>
-          </a:graphicData>
-        </a:graphic>
-      </p:graphicFrame>
-      <p:graphicFrame>
-        <p:nvGraphicFramePr>
-          <p:cNvPr id="7" name="Table 6"/>
-          <p:cNvGraphicFramePr>
-            <a:graphicFrameLocks noGrp="1"/>
-          </p:cNvGraphicFramePr>
-          <p:nvPr>
-            <p:extLst>
-              <p:ext uri="{D42A27DB-BD31-4B8C-83A1-F6EECF244321}">
-                <p14:modId xmlns:p14="http://schemas.microsoft.com/office/powerpoint/2010/main" val="2662080839"/>
-              </p:ext>
-            </p:extLst>
-          </p:nvPr>
-        </p:nvGraphicFramePr>
-        <p:xfrm>
-          <a:off x="7061549" y="4393021"/>
-          <a:ext cx="2649693" cy="1066800"/>
-        </p:xfrm>
-        <a:graphic>
-          <a:graphicData uri="http://schemas.openxmlformats.org/drawingml/2006/table">
-            <a:tbl>
-              <a:tblPr>
-                <a:tableStyleId>{3C2FFA5D-87B4-456A-9821-1D502468CF0F}</a:tableStyleId>
-              </a:tblPr>
-              <a:tblGrid>
-                <a:gridCol w="824833"/>
-                <a:gridCol w="800377"/>
-                <a:gridCol w="522913"/>
-                <a:gridCol w="501570"/>
-              </a:tblGrid>
-              <a:tr h="121615">
-                <a:tc>
-                  <a:txBody>
-                    <a:bodyPr/>
-                    <a:lstStyle/>
-                    <a:p>
-                      <a:pPr algn="ctr"/>
-                      <a:r>
-                        <a:rPr lang="en-US" sz="1200" b="1" dirty="0" smtClean="0"/>
-                        <a:t>A0</a:t>
-                      </a:r>
-                      <a:endParaRPr lang="en-US" sz="1200" b="1" dirty="0"/>
-                    </a:p>
-                  </a:txBody>
-                  <a:tcPr/>
-                </a:tc>
-                <a:tc>
-                  <a:txBody>
-                    <a:bodyPr/>
-                    <a:lstStyle/>
-                    <a:p>
-                      <a:pPr algn="ctr"/>
-                      <a:r>
-                        <a:rPr lang="en-US" sz="1200" b="1" dirty="0" smtClean="0"/>
-                        <a:t>A1</a:t>
-                      </a:r>
-                      <a:endParaRPr lang="en-US" sz="1200" b="1" dirty="0"/>
-                    </a:p>
-                  </a:txBody>
-                  <a:tcPr/>
-                </a:tc>
-                <a:tc rowSpan="2">
-                  <a:txBody>
-                    <a:bodyPr/>
-                    <a:lstStyle/>
-                    <a:p>
-                      <a:pPr algn="ctr"/>
-                      <a:r>
-                        <a:rPr lang="en-US" sz="1200" b="1" dirty="0" smtClean="0"/>
-                        <a:t>D0</a:t>
-                      </a:r>
-                      <a:endParaRPr lang="en-US" sz="1200" b="1" dirty="0"/>
-                    </a:p>
-                  </a:txBody>
-                  <a:tcPr anchor="ctr"/>
-                </a:tc>
-                <a:tc rowSpan="2">
-                  <a:txBody>
-                    <a:bodyPr/>
-                    <a:lstStyle/>
-                    <a:p>
-                      <a:pPr algn="ctr"/>
-                      <a:r>
-                        <a:rPr lang="en-US" sz="1200" b="1" dirty="0" smtClean="0"/>
-                        <a:t>D1</a:t>
-                      </a:r>
-                      <a:endParaRPr lang="en-US" sz="1200" b="1" dirty="0"/>
-                    </a:p>
-                  </a:txBody>
-                  <a:tcPr anchor="ctr"/>
-                </a:tc>
-              </a:tr>
-              <a:tr h="121615">
-                <a:tc>
-                  <a:txBody>
-                    <a:bodyPr/>
-                    <a:lstStyle/>
-                    <a:p>
-                      <a:pPr marL="0" marR="0" indent="0" algn="ctr" defTabSz="457200" rtl="0" eaLnBrk="1" fontAlgn="auto" latinLnBrk="0" hangingPunct="1">
-                        <a:lnSpc>
-                          <a:spcPct val="100000"/>
-                        </a:lnSpc>
-                        <a:spcBef>
-                          <a:spcPts val="0"/>
-                        </a:spcBef>
-                        <a:spcAft>
-                          <a:spcPts val="0"/>
-                        </a:spcAft>
-                        <a:buClrTx/>
-                        <a:buSzTx/>
-                        <a:buFontTx/>
-                        <a:buNone/>
-                        <a:tabLst/>
-                        <a:defRPr/>
-                      </a:pPr>
-                      <a:r>
-                        <a:rPr lang="en-US" sz="1100" dirty="0" smtClean="0"/>
-                        <a:t>Steps / </a:t>
-                      </a:r>
-                      <a:r>
-                        <a:rPr lang="en-US" sz="1100" dirty="0" err="1" smtClean="0"/>
-                        <a:t>Dist</a:t>
-                      </a:r>
-                      <a:endParaRPr lang="en-US" sz="1100" dirty="0" smtClean="0"/>
-                    </a:p>
-                  </a:txBody>
-                  <a:tcPr/>
-                </a:tc>
-                <a:tc>
-                  <a:txBody>
-                    <a:bodyPr/>
-                    <a:lstStyle/>
-                    <a:p>
-                      <a:pPr algn="ctr"/>
-                      <a:r>
-                        <a:rPr lang="en-US" sz="1100" dirty="0" smtClean="0"/>
-                        <a:t>Mode</a:t>
-                      </a:r>
-                      <a:endParaRPr lang="en-US" sz="1100" dirty="0"/>
-                    </a:p>
-                  </a:txBody>
-                  <a:tcPr/>
-                </a:tc>
-                <a:tc vMerge="1">
-                  <a:txBody>
-                    <a:bodyPr/>
-                    <a:lstStyle/>
-                    <a:p>
-                      <a:endParaRPr lang="en-US" sz="1400" dirty="0"/>
-                    </a:p>
-                  </a:txBody>
-                  <a:tcPr/>
-                </a:tc>
-                <a:tc vMerge="1">
-                  <a:txBody>
-                    <a:bodyPr/>
-                    <a:lstStyle/>
-                    <a:p>
-                      <a:endParaRPr lang="en-US" sz="1400" dirty="0"/>
-                    </a:p>
-                  </a:txBody>
-                  <a:tcPr/>
-                </a:tc>
-              </a:tr>
-              <a:tr h="121615">
-                <a:tc>
-                  <a:txBody>
-                    <a:bodyPr/>
-                    <a:lstStyle/>
-                    <a:p>
-                      <a:pPr algn="ctr"/>
-                      <a:r>
-                        <a:rPr lang="en-US" sz="1200" b="1" dirty="0" smtClean="0"/>
-                        <a:t>A2</a:t>
-                      </a:r>
-                      <a:endParaRPr lang="en-US" sz="1200" b="1" dirty="0"/>
-                    </a:p>
-                  </a:txBody>
-                  <a:tcPr/>
-                </a:tc>
-                <a:tc>
-                  <a:txBody>
-                    <a:bodyPr/>
-                    <a:lstStyle/>
-                    <a:p>
-                      <a:pPr algn="ctr"/>
-                      <a:r>
-                        <a:rPr lang="en-US" sz="1200" b="1" dirty="0" smtClean="0"/>
-                        <a:t>A3</a:t>
-                      </a:r>
-                      <a:endParaRPr lang="en-US" sz="1200" b="1" dirty="0"/>
-                    </a:p>
-                  </a:txBody>
-                  <a:tcPr/>
-                </a:tc>
-                <a:tc rowSpan="2">
-                  <a:txBody>
-                    <a:bodyPr/>
-                    <a:lstStyle/>
-                    <a:p>
-                      <a:pPr algn="ctr"/>
-                      <a:r>
-                        <a:rPr lang="en-US" sz="1200" dirty="0" smtClean="0"/>
-                        <a:t>On</a:t>
-                      </a:r>
-                      <a:endParaRPr lang="en-US" sz="1200" dirty="0"/>
-                    </a:p>
-                  </a:txBody>
-                  <a:tcPr anchor="ctr"/>
-                </a:tc>
-                <a:tc rowSpan="2">
-                  <a:txBody>
-                    <a:bodyPr/>
-                    <a:lstStyle/>
-                    <a:p>
-                      <a:pPr algn="ctr"/>
-                      <a:r>
-                        <a:rPr lang="en-US" sz="1200" dirty="0" smtClean="0"/>
-                        <a:t>On</a:t>
-                      </a:r>
-                      <a:endParaRPr lang="en-US" sz="1200" dirty="0"/>
-                    </a:p>
-                  </a:txBody>
-                  <a:tcPr anchor="ctr"/>
-                </a:tc>
-              </a:tr>
-              <a:tr h="170261">
-                <a:tc>
-                  <a:txBody>
-                    <a:bodyPr/>
-                    <a:lstStyle/>
-                    <a:p>
-                      <a:pPr algn="ctr"/>
-                      <a:r>
-                        <a:rPr lang="en-US" sz="1100" dirty="0" smtClean="0"/>
-                        <a:t>Octaves</a:t>
-                      </a:r>
-                      <a:endParaRPr lang="en-US" sz="1100" dirty="0"/>
-                    </a:p>
-                  </a:txBody>
-                  <a:tcPr/>
-                </a:tc>
-                <a:tc>
-                  <a:txBody>
-                    <a:bodyPr/>
-                    <a:lstStyle/>
-                    <a:p>
-                      <a:pPr algn="ctr"/>
-                      <a:r>
-                        <a:rPr lang="en-US" sz="1100" dirty="0" smtClean="0"/>
-                        <a:t>Scale</a:t>
-                      </a:r>
-                      <a:endParaRPr lang="en-US" sz="1100" dirty="0"/>
-                    </a:p>
-                  </a:txBody>
-                  <a:tcPr/>
-                </a:tc>
-                <a:tc vMerge="1">
-                  <a:txBody>
-                    <a:bodyPr/>
-                    <a:lstStyle/>
-                    <a:p>
-                      <a:endParaRPr lang="en-US" sz="1400" dirty="0"/>
-                    </a:p>
-                  </a:txBody>
-                  <a:tcPr/>
-                </a:tc>
-                <a:tc vMerge="1">
-                  <a:txBody>
-                    <a:bodyPr/>
-                    <a:lstStyle/>
-                    <a:p>
-                      <a:endParaRPr lang="en-US" sz="1400" dirty="0"/>
-                    </a:p>
-                  </a:txBody>
-                  <a:tcPr/>
-                </a:tc>
-              </a:tr>
-            </a:tbl>
-          </a:graphicData>
-        </a:graphic>
-      </p:graphicFrame>
-      <p:graphicFrame>
-        <p:nvGraphicFramePr>
-          <p:cNvPr id="8" name="Table 7"/>
-          <p:cNvGraphicFramePr>
-            <a:graphicFrameLocks noGrp="1"/>
-          </p:cNvGraphicFramePr>
-          <p:nvPr>
-            <p:extLst>
-              <p:ext uri="{D42A27DB-BD31-4B8C-83A1-F6EECF244321}">
-                <p14:modId xmlns:p14="http://schemas.microsoft.com/office/powerpoint/2010/main" val="3151568599"/>
-              </p:ext>
-            </p:extLst>
-          </p:nvPr>
-        </p:nvGraphicFramePr>
-        <p:xfrm>
-          <a:off x="4152486" y="4393021"/>
-          <a:ext cx="2649693" cy="1066800"/>
-        </p:xfrm>
-        <a:graphic>
-          <a:graphicData uri="http://schemas.openxmlformats.org/drawingml/2006/table">
-            <a:tbl>
-              <a:tblPr>
-                <a:tableStyleId>{3C2FFA5D-87B4-456A-9821-1D502468CF0F}</a:tableStyleId>
-              </a:tblPr>
-              <a:tblGrid>
-                <a:gridCol w="824833"/>
-                <a:gridCol w="800377"/>
-                <a:gridCol w="522913"/>
-                <a:gridCol w="501570"/>
-              </a:tblGrid>
-              <a:tr h="121615">
-                <a:tc>
-                  <a:txBody>
-                    <a:bodyPr/>
-                    <a:lstStyle/>
-                    <a:p>
-                      <a:pPr algn="ctr"/>
-                      <a:r>
-                        <a:rPr lang="en-US" sz="1200" b="1" dirty="0" smtClean="0"/>
-                        <a:t>A0</a:t>
-                      </a:r>
-                      <a:endParaRPr lang="en-US" sz="1200" b="1" dirty="0"/>
-                    </a:p>
-                  </a:txBody>
-                  <a:tcPr/>
-                </a:tc>
-                <a:tc>
-                  <a:txBody>
-                    <a:bodyPr/>
-                    <a:lstStyle/>
-                    <a:p>
-                      <a:pPr algn="ctr"/>
-                      <a:r>
-                        <a:rPr lang="en-US" sz="1200" b="1" dirty="0" smtClean="0"/>
-                        <a:t>A1</a:t>
-                      </a:r>
-                      <a:endParaRPr lang="en-US" sz="1200" b="1" dirty="0"/>
-                    </a:p>
-                  </a:txBody>
-                  <a:tcPr/>
-                </a:tc>
-                <a:tc rowSpan="2">
-                  <a:txBody>
-                    <a:bodyPr/>
-                    <a:lstStyle/>
-                    <a:p>
-                      <a:pPr algn="ctr"/>
-                      <a:r>
-                        <a:rPr lang="en-US" sz="1200" b="1" dirty="0" smtClean="0"/>
-                        <a:t>D0</a:t>
-                      </a:r>
-                      <a:endParaRPr lang="en-US" sz="1200" b="1" dirty="0"/>
-                    </a:p>
-                  </a:txBody>
-                  <a:tcPr anchor="ctr"/>
-                </a:tc>
-                <a:tc rowSpan="2">
-                  <a:txBody>
-                    <a:bodyPr/>
-                    <a:lstStyle/>
-                    <a:p>
-                      <a:pPr algn="ctr"/>
-                      <a:r>
-                        <a:rPr lang="en-US" sz="1200" b="1" dirty="0" smtClean="0"/>
-                        <a:t>D1</a:t>
-                      </a:r>
-                      <a:endParaRPr lang="en-US" sz="1200" b="1" dirty="0"/>
-                    </a:p>
-                  </a:txBody>
-                  <a:tcPr anchor="ctr"/>
-                </a:tc>
-              </a:tr>
-              <a:tr h="121615">
-                <a:tc>
-                  <a:txBody>
-                    <a:bodyPr/>
-                    <a:lstStyle/>
-                    <a:p>
-                      <a:pPr algn="ctr"/>
-                      <a:r>
-                        <a:rPr lang="en-US" sz="1100" dirty="0" smtClean="0"/>
-                        <a:t>Octaves</a:t>
-                      </a:r>
-                      <a:endParaRPr lang="en-US" sz="1100" dirty="0"/>
-                    </a:p>
-                  </a:txBody>
-                  <a:tcPr/>
-                </a:tc>
-                <a:tc>
-                  <a:txBody>
-                    <a:bodyPr/>
-                    <a:lstStyle/>
-                    <a:p>
-                      <a:pPr algn="ctr"/>
-                      <a:r>
-                        <a:rPr lang="en-US" sz="1100" dirty="0" smtClean="0"/>
-                        <a:t>Scale</a:t>
-                      </a:r>
-                      <a:endParaRPr lang="en-US" sz="1100" dirty="0"/>
-                    </a:p>
-                  </a:txBody>
-                  <a:tcPr/>
-                </a:tc>
-                <a:tc vMerge="1">
-                  <a:txBody>
-                    <a:bodyPr/>
-                    <a:lstStyle/>
-                    <a:p>
-                      <a:endParaRPr lang="en-US" sz="1400" dirty="0"/>
-                    </a:p>
-                  </a:txBody>
-                  <a:tcPr/>
-                </a:tc>
-                <a:tc vMerge="1">
-                  <a:txBody>
-                    <a:bodyPr/>
-                    <a:lstStyle/>
-                    <a:p>
-                      <a:endParaRPr lang="en-US" sz="1400" dirty="0"/>
-                    </a:p>
-                  </a:txBody>
-                  <a:tcPr/>
-                </a:tc>
-              </a:tr>
-              <a:tr h="121615">
-                <a:tc>
-                  <a:txBody>
-                    <a:bodyPr/>
-                    <a:lstStyle/>
-                    <a:p>
-                      <a:pPr algn="ctr"/>
-                      <a:r>
-                        <a:rPr lang="en-US" sz="1200" b="1" dirty="0" smtClean="0"/>
-                        <a:t>A2</a:t>
-                      </a:r>
-                      <a:endParaRPr lang="en-US" sz="1200" b="1" dirty="0"/>
-                    </a:p>
-                  </a:txBody>
-                  <a:tcPr/>
-                </a:tc>
-                <a:tc>
-                  <a:txBody>
-                    <a:bodyPr/>
-                    <a:lstStyle/>
-                    <a:p>
-                      <a:pPr algn="ctr"/>
-                      <a:r>
-                        <a:rPr lang="en-US" sz="1200" b="1" dirty="0" smtClean="0"/>
-                        <a:t>A3</a:t>
-                      </a:r>
-                      <a:endParaRPr lang="en-US" sz="1200" b="1" dirty="0"/>
-                    </a:p>
-                  </a:txBody>
-                  <a:tcPr/>
-                </a:tc>
-                <a:tc rowSpan="2">
-                  <a:txBody>
-                    <a:bodyPr/>
-                    <a:lstStyle/>
-                    <a:p>
-                      <a:pPr algn="ctr"/>
-                      <a:r>
-                        <a:rPr lang="en-US" sz="1200" dirty="0" smtClean="0"/>
-                        <a:t>On</a:t>
-                      </a:r>
-                      <a:endParaRPr lang="en-US" sz="1200" dirty="0"/>
-                    </a:p>
-                  </a:txBody>
-                  <a:tcPr anchor="ctr"/>
-                </a:tc>
-                <a:tc rowSpan="2">
-                  <a:txBody>
-                    <a:bodyPr/>
-                    <a:lstStyle/>
-                    <a:p>
-                      <a:pPr algn="ctr"/>
-                      <a:endParaRPr lang="en-US" sz="1200" dirty="0"/>
-                    </a:p>
-                  </a:txBody>
-                  <a:tcPr anchor="ctr"/>
-                </a:tc>
-              </a:tr>
-              <a:tr h="170261">
-                <a:tc>
-                  <a:txBody>
-                    <a:bodyPr/>
-                    <a:lstStyle/>
-                    <a:p>
-                      <a:pPr algn="ctr"/>
-                      <a:r>
-                        <a:rPr lang="en-US" sz="1100" dirty="0" smtClean="0"/>
-                        <a:t>Steps / </a:t>
-                      </a:r>
-                      <a:r>
-                        <a:rPr lang="en-US" sz="1100" dirty="0" err="1" smtClean="0"/>
-                        <a:t>Dist</a:t>
-                      </a:r>
-                      <a:endParaRPr lang="en-US" sz="1100" dirty="0"/>
-                    </a:p>
-                  </a:txBody>
-                  <a:tcPr/>
-                </a:tc>
-                <a:tc>
-                  <a:txBody>
-                    <a:bodyPr/>
-                    <a:lstStyle/>
-                    <a:p>
-                      <a:pPr algn="ctr"/>
-                      <a:r>
-                        <a:rPr lang="en-US" sz="1100" dirty="0" smtClean="0"/>
-                        <a:t>Mode</a:t>
-                      </a:r>
-                      <a:endParaRPr lang="en-US" sz="1100" dirty="0"/>
-                    </a:p>
-                  </a:txBody>
-                  <a:tcPr/>
-                </a:tc>
-                <a:tc vMerge="1">
-                  <a:txBody>
-                    <a:bodyPr/>
-                    <a:lstStyle/>
-                    <a:p>
-                      <a:endParaRPr lang="en-US" sz="1400" dirty="0"/>
-                    </a:p>
-                  </a:txBody>
-                  <a:tcPr/>
-                </a:tc>
-                <a:tc vMerge="1">
-                  <a:txBody>
-                    <a:bodyPr/>
-                    <a:lstStyle/>
-                    <a:p>
-                      <a:endParaRPr lang="en-US" sz="1400" dirty="0"/>
-                    </a:p>
-                  </a:txBody>
-                  <a:tcPr/>
-                </a:tc>
-              </a:tr>
-            </a:tbl>
-          </a:graphicData>
-        </a:graphic>
-      </p:graphicFrame>
-      <p:graphicFrame>
-        <p:nvGraphicFramePr>
-          <p:cNvPr id="9" name="Table 8"/>
-          <p:cNvGraphicFramePr>
-            <a:graphicFrameLocks noGrp="1"/>
-          </p:cNvGraphicFramePr>
-          <p:nvPr>
-            <p:extLst>
-              <p:ext uri="{D42A27DB-BD31-4B8C-83A1-F6EECF244321}">
-                <p14:modId xmlns:p14="http://schemas.microsoft.com/office/powerpoint/2010/main" val="1421665213"/>
-              </p:ext>
-            </p:extLst>
-          </p:nvPr>
-        </p:nvGraphicFramePr>
-        <p:xfrm>
-          <a:off x="4152486" y="3217815"/>
-          <a:ext cx="2649693" cy="1082040"/>
-        </p:xfrm>
-        <a:graphic>
-          <a:graphicData uri="http://schemas.openxmlformats.org/drawingml/2006/table">
-            <a:tbl>
-              <a:tblPr>
-                <a:tableStyleId>{3C2FFA5D-87B4-456A-9821-1D502468CF0F}</a:tableStyleId>
-              </a:tblPr>
-              <a:tblGrid>
-                <a:gridCol w="824833"/>
-                <a:gridCol w="800377"/>
-                <a:gridCol w="522913"/>
-                <a:gridCol w="501570"/>
-              </a:tblGrid>
-              <a:tr h="266700">
-                <a:tc>
-                  <a:txBody>
-                    <a:bodyPr/>
-                    <a:lstStyle/>
-                    <a:p>
-                      <a:pPr algn="ctr"/>
-                      <a:r>
-                        <a:rPr lang="en-US" sz="1200" b="1" dirty="0" smtClean="0"/>
-                        <a:t>A0</a:t>
-                      </a:r>
-                      <a:endParaRPr lang="en-US" sz="1200" b="1" dirty="0"/>
-                    </a:p>
-                  </a:txBody>
-                  <a:tcPr/>
-                </a:tc>
-                <a:tc>
-                  <a:txBody>
-                    <a:bodyPr/>
-                    <a:lstStyle/>
-                    <a:p>
-                      <a:pPr algn="ctr"/>
-                      <a:r>
-                        <a:rPr lang="en-US" sz="1200" b="1" dirty="0" smtClean="0"/>
-                        <a:t>A1</a:t>
-                      </a:r>
-                      <a:endParaRPr lang="en-US" sz="1200" b="1" dirty="0"/>
-                    </a:p>
-                  </a:txBody>
-                  <a:tcPr/>
-                </a:tc>
-                <a:tc gridSpan="2">
-                  <a:txBody>
-                    <a:bodyPr/>
-                    <a:lstStyle/>
-                    <a:p>
-                      <a:pPr algn="ctr"/>
-                      <a:r>
-                        <a:rPr lang="en-US" sz="1200" b="1" i="1" dirty="0" smtClean="0"/>
-                        <a:t>Default</a:t>
-                      </a:r>
-                      <a:endParaRPr lang="en-US" sz="1100" b="1" i="1" dirty="0"/>
-                    </a:p>
-                  </a:txBody>
-                  <a:tcPr anchor="ctr"/>
-                </a:tc>
-                <a:tc hMerge="1">
-                  <a:txBody>
-                    <a:bodyPr/>
-                    <a:lstStyle/>
-                    <a:p>
-                      <a:endParaRPr lang="en-US" dirty="0"/>
-                    </a:p>
-                  </a:txBody>
-                  <a:tcPr anchor="ctr"/>
-                </a:tc>
-              </a:tr>
-              <a:tr h="121615">
-                <a:tc>
-                  <a:txBody>
-                    <a:bodyPr/>
-                    <a:lstStyle/>
-                    <a:p>
-                      <a:pPr algn="ctr"/>
-                      <a:r>
-                        <a:rPr lang="en-US" sz="1100" dirty="0" smtClean="0"/>
-                        <a:t>Mode</a:t>
-                      </a:r>
-                      <a:endParaRPr lang="en-US" sz="1100" dirty="0"/>
-                    </a:p>
-                  </a:txBody>
-                  <a:tcPr/>
-                </a:tc>
-                <a:tc>
-                  <a:txBody>
-                    <a:bodyPr/>
-                    <a:lstStyle/>
-                    <a:p>
-                      <a:pPr algn="ctr"/>
-                      <a:r>
-                        <a:rPr lang="en-US" sz="1100" dirty="0" smtClean="0"/>
-                        <a:t>Scale</a:t>
-                      </a:r>
-                      <a:endParaRPr lang="en-US" sz="1100" dirty="0"/>
-                    </a:p>
-                  </a:txBody>
-                  <a:tcPr/>
-                </a:tc>
-                <a:tc>
-                  <a:txBody>
-                    <a:bodyPr/>
-                    <a:lstStyle/>
-                    <a:p>
-                      <a:pPr algn="ctr"/>
-                      <a:r>
-                        <a:rPr lang="en-US" sz="1200" b="1" dirty="0" smtClean="0"/>
-                        <a:t>D0</a:t>
-                      </a:r>
-                      <a:endParaRPr lang="en-US" sz="1200" b="1" dirty="0"/>
-                    </a:p>
-                  </a:txBody>
-                  <a:tcPr anchor="ctr"/>
-                </a:tc>
-                <a:tc>
-                  <a:txBody>
-                    <a:bodyPr/>
-                    <a:lstStyle/>
-                    <a:p>
-                      <a:pPr algn="ctr"/>
-                      <a:r>
-                        <a:rPr lang="en-US" sz="1200" b="1" dirty="0" smtClean="0"/>
-                        <a:t>D1</a:t>
-                      </a:r>
-                      <a:endParaRPr lang="en-US" sz="1200" b="1" dirty="0"/>
-                    </a:p>
-                  </a:txBody>
-                  <a:tcPr anchor="ctr"/>
-                </a:tc>
-              </a:tr>
-              <a:tr h="121615">
-                <a:tc>
-                  <a:txBody>
-                    <a:bodyPr/>
-                    <a:lstStyle/>
-                    <a:p>
-                      <a:pPr algn="ctr"/>
-                      <a:r>
-                        <a:rPr lang="en-US" sz="1200" b="1" dirty="0" smtClean="0"/>
-                        <a:t>A2</a:t>
-                      </a:r>
-                      <a:endParaRPr lang="en-US" sz="1200" b="1" dirty="0"/>
-                    </a:p>
-                  </a:txBody>
-                  <a:tcPr/>
-                </a:tc>
-                <a:tc>
-                  <a:txBody>
-                    <a:bodyPr/>
-                    <a:lstStyle/>
-                    <a:p>
-                      <a:pPr algn="ctr"/>
-                      <a:r>
-                        <a:rPr lang="en-US" sz="1200" b="1" dirty="0" smtClean="0"/>
-                        <a:t>A3</a:t>
-                      </a:r>
-                      <a:endParaRPr lang="en-US" sz="1200" b="1" dirty="0"/>
-                    </a:p>
-                  </a:txBody>
-                  <a:tcPr/>
-                </a:tc>
-                <a:tc rowSpan="2">
-                  <a:txBody>
-                    <a:bodyPr/>
-                    <a:lstStyle/>
-                    <a:p>
-                      <a:pPr algn="ctr"/>
-                      <a:endParaRPr lang="en-US" sz="1200" dirty="0"/>
-                    </a:p>
-                  </a:txBody>
-                  <a:tcPr anchor="ctr"/>
-                </a:tc>
-                <a:tc rowSpan="2">
-                  <a:txBody>
-                    <a:bodyPr/>
-                    <a:lstStyle/>
-                    <a:p>
-                      <a:pPr algn="ctr"/>
-                      <a:endParaRPr lang="en-US" sz="1200" dirty="0"/>
-                    </a:p>
-                  </a:txBody>
-                  <a:tcPr anchor="ctr"/>
-                </a:tc>
-              </a:tr>
-              <a:tr h="170261">
-                <a:tc>
-                  <a:txBody>
-                    <a:bodyPr/>
-                    <a:lstStyle/>
-                    <a:p>
-                      <a:pPr algn="ctr"/>
-                      <a:r>
-                        <a:rPr lang="en-US" sz="1100" dirty="0" smtClean="0"/>
-                        <a:t>Steps / </a:t>
-                      </a:r>
-                      <a:r>
-                        <a:rPr lang="en-US" sz="1100" dirty="0" err="1" smtClean="0"/>
-                        <a:t>Dist</a:t>
-                      </a:r>
-                      <a:endParaRPr lang="en-US" sz="1100" dirty="0"/>
-                    </a:p>
-                  </a:txBody>
-                  <a:tcPr/>
-                </a:tc>
-                <a:tc>
-                  <a:txBody>
-                    <a:bodyPr/>
-                    <a:lstStyle/>
-                    <a:p>
-                      <a:pPr algn="ctr"/>
-                      <a:r>
-                        <a:rPr lang="en-US" sz="1100" dirty="0" smtClean="0"/>
-                        <a:t>Octaves</a:t>
-                      </a:r>
-                      <a:endParaRPr lang="en-US" sz="1100" dirty="0"/>
-                    </a:p>
-                  </a:txBody>
-                  <a:tcPr/>
-                </a:tc>
-                <a:tc vMerge="1">
-                  <a:txBody>
-                    <a:bodyPr/>
-                    <a:lstStyle/>
-                    <a:p>
-                      <a:endParaRPr lang="en-US" sz="1400" dirty="0"/>
-                    </a:p>
-                  </a:txBody>
-                  <a:tcPr/>
-                </a:tc>
-                <a:tc vMerge="1">
-                  <a:txBody>
-                    <a:bodyPr/>
-                    <a:lstStyle/>
-                    <a:p>
-                      <a:endParaRPr lang="en-US" sz="1400" dirty="0"/>
-                    </a:p>
-                  </a:txBody>
-                  <a:tcPr/>
-                </a:tc>
-              </a:tr>
-            </a:tbl>
-          </a:graphicData>
-        </a:graphic>
-      </p:graphicFrame>
       <p:sp>
         <p:nvSpPr>
           <p:cNvPr id="10" name="TextBox 9"/>
@@ -4728,8 +3362,8 @@
         </p:nvSpPr>
         <p:spPr>
           <a:xfrm>
-            <a:off x="4152486" y="478566"/>
-            <a:ext cx="5558756" cy="2673555"/>
+            <a:off x="6608683" y="544260"/>
+            <a:ext cx="3113508" cy="3399739"/>
           </a:xfrm>
           <a:prstGeom prst="rect">
             <a:avLst/>
@@ -4743,97 +3377,63 @@
           <a:lstStyle/>
           <a:p>
             <a:r>
+              <a:rPr lang="en-US" sz="1100" b="1" dirty="0" smtClean="0"/>
+              <a:t>Control Mode - Layouts</a:t>
+            </a:r>
+            <a:endParaRPr lang="en-US" sz="1100" b="1" dirty="0" smtClean="0"/>
+          </a:p>
+          <a:p>
+            <a:endParaRPr lang="en-US" sz="1100" dirty="0" smtClean="0"/>
+          </a:p>
+          <a:p>
+            <a:r>
               <a:rPr lang="en-US" sz="1100" dirty="0" smtClean="0"/>
-              <a:t>The </a:t>
-            </a:r>
-            <a:r>
-              <a:rPr lang="en-US" sz="1100" dirty="0" err="1" smtClean="0"/>
-              <a:t>arpeggiator</a:t>
+              <a:t>Control mode allows you to select which </a:t>
             </a:r>
             <a:r>
               <a:rPr lang="en-US" sz="1100" dirty="0" smtClean="0"/>
-              <a:t> will play 5 octaves of notes. If an </a:t>
-            </a:r>
-            <a:r>
-              <a:rPr lang="en-US" sz="1100" dirty="0" err="1" smtClean="0"/>
-              <a:t>apreggio</a:t>
+              <a:t>parameters are </a:t>
+            </a:r>
+            <a:r>
+              <a:rPr lang="en-US" sz="1100" dirty="0" smtClean="0"/>
+              <a:t>assigned to which of the analog inputs, and therefore which </a:t>
+            </a:r>
+            <a:r>
+              <a:rPr lang="en-US" sz="1100" dirty="0" smtClean="0"/>
+              <a:t>parameters you </a:t>
+            </a:r>
+            <a:r>
+              <a:rPr lang="en-US" sz="1100" dirty="0" smtClean="0"/>
+              <a:t>can use CV to control, and which are manual only.</a:t>
+            </a:r>
+          </a:p>
+          <a:p>
+            <a:endParaRPr lang="en-US" sz="1100" dirty="0"/>
+          </a:p>
+          <a:p>
+            <a:r>
+              <a:rPr lang="en-US" sz="1100" dirty="0" smtClean="0"/>
+              <a:t>To </a:t>
+            </a:r>
+            <a:r>
+              <a:rPr lang="en-US" sz="1100" smtClean="0"/>
+              <a:t>enter </a:t>
+            </a:r>
+            <a:r>
+              <a:rPr lang="en-US" sz="1100" smtClean="0"/>
+              <a:t>control </a:t>
             </a:r>
             <a:r>
               <a:rPr lang="en-US" sz="1100" dirty="0"/>
-              <a:t> </a:t>
+              <a:t>m</a:t>
+            </a:r>
+            <a:r>
+              <a:rPr lang="en-US" sz="1100" smtClean="0"/>
+              <a:t>ode</a:t>
             </a:r>
             <a:r>
               <a:rPr lang="en-US" sz="1100" dirty="0" smtClean="0"/>
-              <a:t>tries to play above this, we drop the remainder of it 5 octaves, then continue to play from that level.</a:t>
-            </a:r>
-            <a:endParaRPr lang="en-US" sz="1100" dirty="0" smtClean="0"/>
-          </a:p>
-          <a:p>
-            <a:endParaRPr lang="en-US" sz="1100" b="1" u="sng" dirty="0"/>
-          </a:p>
-          <a:p>
-            <a:r>
-              <a:rPr lang="en-US" sz="1100" b="1" u="sng" dirty="0" smtClean="0"/>
-              <a:t>Outputs</a:t>
-            </a:r>
-            <a:endParaRPr lang="en-US" sz="1100" b="1" u="sng" dirty="0" smtClean="0"/>
-          </a:p>
-          <a:p>
-            <a:endParaRPr lang="en-US" sz="1100" b="1" u="sng" dirty="0"/>
-          </a:p>
-          <a:p>
-            <a:r>
-              <a:rPr lang="en-US" sz="1100" dirty="0"/>
-              <a:t>DAC output gives the 1V/Oct output to send to your oscillator.</a:t>
-            </a:r>
-          </a:p>
-          <a:p>
-            <a:r>
-              <a:rPr lang="en-US" sz="1100" dirty="0"/>
-              <a:t>D0 triggers every time the entire arpeggio sequence starts </a:t>
-            </a:r>
-            <a:r>
-              <a:rPr lang="en-US" sz="1100" dirty="0" smtClean="0"/>
-              <a:t>again</a:t>
-            </a:r>
-            <a:endParaRPr lang="en-US" sz="1100" dirty="0"/>
-          </a:p>
-          <a:p>
-            <a:r>
-              <a:rPr lang="en-US" sz="1100" dirty="0"/>
-              <a:t>D1 triggers every time the arpeggio changes octave</a:t>
-            </a:r>
-            <a:r>
-              <a:rPr lang="en-US" sz="1100" dirty="0" smtClean="0"/>
-              <a:t>.</a:t>
-            </a:r>
-            <a:endParaRPr lang="en-US" sz="1100" dirty="0"/>
-          </a:p>
-          <a:p>
-            <a:endParaRPr lang="en-US" sz="1100" b="1" u="sng" dirty="0" smtClean="0"/>
-          </a:p>
-          <a:p>
-            <a:r>
-              <a:rPr lang="en-US" sz="1100" b="1" u="sng" dirty="0" smtClean="0"/>
-              <a:t>Control Mode</a:t>
-            </a:r>
-          </a:p>
-          <a:p>
-            <a:endParaRPr lang="en-US" sz="1100" dirty="0" smtClean="0"/>
-          </a:p>
-          <a:p>
-            <a:r>
-              <a:rPr lang="en-US" sz="1100" dirty="0" smtClean="0"/>
-              <a:t>Control mode allows you to select which controls are assigned to which of the analog inputs, and therefore which controls you can use CV to control, and which are manual only.</a:t>
-            </a:r>
-          </a:p>
-          <a:p>
-            <a:endParaRPr lang="en-US" sz="1100" dirty="0"/>
-          </a:p>
-          <a:p>
-            <a:r>
-              <a:rPr lang="en-US" sz="1100" dirty="0" smtClean="0"/>
-              <a:t>To enter Control Mode, turn the </a:t>
+              <a:t>, turn the </a:t>
             </a:r>
             <a:r>
               <a:rPr lang="en-US" sz="1100" dirty="0" smtClean="0"/>
@@ -4847,19 +3447,31 @@
           <a:p>
             <a:r>
               <a:rPr lang="en-US" sz="1100" dirty="0" smtClean="0"/>
-              <a:t>Then use the A2 control to select the layout you want (all variations detailed below).</a:t>
-            </a:r>
-          </a:p>
-          <a:p>
+              <a:t>Then use the A2 control to select the layout you want (all variations detailed below)</a:t>
+            </a:r>
             <a:r>
               <a:rPr lang="en-US" sz="1100" dirty="0" smtClean="0"/>
-              <a:t>The status of the two LEDs shows which layout you have selected.</a:t>
-            </a:r>
-          </a:p>
-          <a:p>
+              <a:t>. The </a:t>
+            </a:r>
             <a:r>
               <a:rPr lang="en-US" sz="1100" dirty="0" smtClean="0"/>
-              <a:t>Once you’ve selected your layout, turn down control A3 to return to normal operation.</a:t>
+              <a:t>status of the two LEDs shows which layout you have </a:t>
+            </a:r>
+            <a:r>
+              <a:rPr lang="en-US" sz="1100" dirty="0" smtClean="0"/>
+              <a:t>selected. Once </a:t>
+            </a:r>
+            <a:r>
+              <a:rPr lang="en-US" sz="1100" dirty="0" smtClean="0"/>
+              <a:t>you’ve selected your layout, turn down control A3 to </a:t>
+            </a:r>
+            <a:r>
+              <a:rPr lang="en-US" sz="1100" dirty="0" smtClean="0"/>
+              <a:t>exit control mode and return </a:t>
+            </a:r>
+            <a:r>
+              <a:rPr lang="en-US" sz="1100" dirty="0" smtClean="0"/>
+              <a:t>to normal operation.</a:t>
             </a:r>
           </a:p>
           <a:p>
@@ -4897,6 +3509,61 @@
             <a:r>
               <a:rPr lang="en-US" sz="1100" dirty="0" smtClean="0"/>
               <a:t>switches, although this is non-trivial, and needs a VC switch (with 2 inputs on each) for each of the 4 knobs to be completely effective.</a:t>
+            </a:r>
+          </a:p>
+          <a:p>
+            <a:endParaRPr lang="en-US" sz="1100" dirty="0"/>
+          </a:p>
+          <a:p>
+            <a:r>
+              <a:rPr lang="en-US" sz="1100" b="1" dirty="0"/>
+              <a:t>Control Mode </a:t>
+            </a:r>
+            <a:r>
+              <a:rPr lang="en-US" sz="1100" b="1" dirty="0" smtClean="0"/>
+              <a:t>– Octaves / Root</a:t>
+            </a:r>
+            <a:endParaRPr lang="en-US" sz="1100" b="1" dirty="0"/>
+          </a:p>
+          <a:p>
+            <a:endParaRPr lang="en-US" sz="1100" dirty="0"/>
+          </a:p>
+          <a:p>
+            <a:r>
+              <a:rPr lang="en-US" sz="1100" dirty="0" smtClean="0"/>
+              <a:t>When in control mode, A0 will set the function that the O/R control will perform. When the selection is changed,  D0 will flash from 1 to 3 times to indicate which option is selected.</a:t>
+            </a:r>
+          </a:p>
+          <a:p>
+            <a:r>
+              <a:rPr lang="en-US" sz="1100" dirty="0" smtClean="0"/>
+              <a:t>When </a:t>
+            </a:r>
+            <a:r>
+              <a:rPr lang="en-US" sz="1100" dirty="0"/>
+              <a:t>the O/R control is set to control the root </a:t>
+            </a:r>
+            <a:r>
+              <a:rPr lang="en-US" sz="1100" dirty="0" smtClean="0"/>
+              <a:t>note, the </a:t>
+            </a:r>
+            <a:r>
+              <a:rPr lang="en-US" sz="1100" dirty="0" smtClean="0"/>
+              <a:t>default number of octaves to be used for the arpeggio can be set in control mode using A1. Feedback on the number of octaves selected is provided through flashes of D1.</a:t>
+            </a:r>
+          </a:p>
+          <a:p>
+            <a:r>
+              <a:rPr lang="en-US" sz="1100" dirty="0" smtClean="0"/>
+              <a:t>When </a:t>
+            </a:r>
+            <a:r>
+              <a:rPr lang="en-US" sz="1100" dirty="0" err="1" smtClean="0"/>
+              <a:t>arpeggiating</a:t>
+            </a:r>
+            <a:r>
+              <a:rPr lang="en-US" sz="1100" dirty="0" smtClean="0"/>
+              <a:t> in “both” mode, the O/R control should be set using a discrete CV, rather than continuous CV or manually, to avoid unintentional change of values by the control sweeping over the changeover point between the two parameters.</a:t>
             </a:r>
             <a:endParaRPr lang="en-US" sz="1100" dirty="0"/>
           </a:p>
@@ -4911,14 +3578,14 @@
           <p:nvPr>
             <p:extLst>
               <p:ext uri="{D42A27DB-BD31-4B8C-83A1-F6EECF244321}">
-                <p14:modId xmlns:p14="http://schemas.microsoft.com/office/powerpoint/2010/main" val="4271889668"/>
+                <p14:modId xmlns:p14="http://schemas.microsoft.com/office/powerpoint/2010/main" val="3929984813"/>
               </p:ext>
             </p:extLst>
           </p:nvPr>
         </p:nvGraphicFramePr>
         <p:xfrm>
-          <a:off x="242337" y="202750"/>
-          <a:ext cx="3695518" cy="2499359"/>
+          <a:off x="209490" y="268444"/>
+          <a:ext cx="3469334" cy="2362199"/>
         </p:xfrm>
         <a:graphic>
           <a:graphicData uri="http://schemas.openxmlformats.org/drawingml/2006/table">
@@ -4927,8 +3594,8 @@
                 <a:tableStyleId>{3C2FFA5D-87B4-456A-9821-1D502468CF0F}</a:tableStyleId>
               </a:tblPr>
               <a:tblGrid>
-                <a:gridCol w="789629"/>
-                <a:gridCol w="2905889"/>
+                <a:gridCol w="741300"/>
+                <a:gridCol w="2728034"/>
               </a:tblGrid>
               <a:tr h="219698">
                 <a:tc gridSpan="2">
@@ -4965,10 +3632,10 @@
                     <a:p>
                       <a:pPr algn="ctr"/>
                       <a:r>
-                        <a:rPr lang="en-US" sz="1200" b="1" dirty="0" smtClean="0"/>
+                        <a:rPr lang="en-US" sz="1100" b="1" dirty="0" smtClean="0"/>
                         <a:t>Up</a:t>
                       </a:r>
-                      <a:endParaRPr lang="en-US" sz="1200" b="1" dirty="0"/>
+                      <a:endParaRPr lang="en-US" sz="1100" b="1" dirty="0"/>
                     </a:p>
                   </a:txBody>
                   <a:tcPr anchor="ctr"/>
@@ -4979,14 +3646,14 @@
                     <a:lstStyle/>
                     <a:p>
                       <a:r>
-                        <a:rPr lang="en-US" sz="1200" dirty="0" smtClean="0"/>
+                        <a:rPr lang="en-US" sz="1100" dirty="0" smtClean="0"/>
                         <a:t>Lowest</a:t>
                       </a:r>
                       <a:r>
-                        <a:rPr lang="en-US" sz="1200" baseline="0" dirty="0" smtClean="0"/>
+                        <a:rPr lang="en-US" sz="1100" baseline="0" dirty="0" smtClean="0"/>
                         <a:t> to highest note</a:t>
                       </a:r>
-                      <a:endParaRPr lang="en-US" sz="1200" dirty="0"/>
+                      <a:endParaRPr lang="en-US" sz="1100" dirty="0"/>
                     </a:p>
                   </a:txBody>
                   <a:tcPr anchor="ctr"/>
@@ -5000,10 +3667,10 @@
                     <a:p>
                       <a:pPr algn="ctr"/>
                       <a:r>
-                        <a:rPr lang="en-US" sz="1200" b="1" dirty="0" smtClean="0"/>
+                        <a:rPr lang="en-US" sz="1100" b="1" dirty="0" smtClean="0"/>
                         <a:t>Down</a:t>
                       </a:r>
-                      <a:endParaRPr lang="en-US" sz="1200" b="1" dirty="0"/>
+                      <a:endParaRPr lang="en-US" sz="1100" b="1" dirty="0"/>
                     </a:p>
                   </a:txBody>
                   <a:tcPr anchor="ctr"/>
@@ -5014,10 +3681,10 @@
                     <a:lstStyle/>
                     <a:p>
                       <a:r>
-                        <a:rPr lang="en-US" sz="1200" dirty="0" smtClean="0"/>
+                        <a:rPr lang="en-US" sz="1100" dirty="0" smtClean="0"/>
                         <a:t>Highest to lowest note</a:t>
                       </a:r>
-                      <a:endParaRPr lang="en-US" sz="1200" dirty="0"/>
+                      <a:endParaRPr lang="en-US" sz="1100" dirty="0"/>
                     </a:p>
                   </a:txBody>
                   <a:tcPr anchor="ctr"/>
@@ -5031,10 +3698,10 @@
                     <a:p>
                       <a:pPr algn="ctr"/>
                       <a:r>
-                        <a:rPr lang="en-US" sz="1200" b="1" dirty="0" smtClean="0"/>
+                        <a:rPr lang="en-US" sz="1100" b="1" dirty="0" smtClean="0"/>
                         <a:t>Up/Down</a:t>
                       </a:r>
-                      <a:endParaRPr lang="en-US" sz="1200" b="1" dirty="0"/>
+                      <a:endParaRPr lang="en-US" sz="1100" b="1" dirty="0"/>
                     </a:p>
                   </a:txBody>
                   <a:tcPr anchor="ctr"/>
@@ -5045,26 +3712,26 @@
                     <a:lstStyle/>
                     <a:p>
                       <a:r>
-                        <a:rPr lang="en-US" sz="1200" dirty="0" smtClean="0"/>
+                        <a:rPr lang="en-US" sz="1100" dirty="0" smtClean="0"/>
                         <a:t>Lowest to highest</a:t>
                       </a:r>
                       <a:r>
-                        <a:rPr lang="en-US" sz="1200" baseline="0" dirty="0" smtClean="0"/>
+                        <a:rPr lang="en-US" sz="1100" baseline="0" dirty="0" smtClean="0"/>
                         <a:t> then back; </a:t>
                       </a:r>
                       <a:r>
-                        <a:rPr lang="en-US" sz="1200" baseline="0" dirty="0" err="1" smtClean="0"/>
+                        <a:rPr lang="en-US" sz="1100" baseline="0" dirty="0" err="1" smtClean="0"/>
                         <a:t>doesn</a:t>
                       </a:r>
                       <a:r>
-                        <a:rPr lang="fr-FR" sz="1200" baseline="0" dirty="0" smtClean="0"/>
+                        <a:rPr lang="fr-FR" sz="1100" baseline="0" dirty="0" smtClean="0"/>
                         <a:t>’</a:t>
                       </a:r>
                       <a:r>
-                        <a:rPr lang="en-US" sz="1200" baseline="0" dirty="0" smtClean="0"/>
+                        <a:rPr lang="en-US" sz="1100" baseline="0" dirty="0" smtClean="0"/>
                         <a:t>t repeat highest and lowest notes</a:t>
                       </a:r>
-                      <a:endParaRPr lang="en-US" sz="1200" dirty="0"/>
+                      <a:endParaRPr lang="en-US" sz="1100" dirty="0"/>
                     </a:p>
                   </a:txBody>
                   <a:tcPr anchor="ctr"/>
@@ -5078,10 +3745,10 @@
                     <a:p>
                       <a:pPr algn="ctr"/>
                       <a:r>
-                        <a:rPr lang="en-US" sz="1200" b="1" dirty="0" smtClean="0"/>
+                        <a:rPr lang="en-US" sz="1100" b="1" dirty="0" smtClean="0"/>
                         <a:t>Root-Up</a:t>
                       </a:r>
-                      <a:endParaRPr lang="en-US" sz="1200" b="1" dirty="0"/>
+                      <a:endParaRPr lang="en-US" sz="1100" b="1" dirty="0"/>
                     </a:p>
                   </a:txBody>
                   <a:tcPr anchor="ctr"/>
@@ -5092,14 +3759,14 @@
                     <a:lstStyle/>
                     <a:p>
                       <a:r>
-                        <a:rPr lang="en-US" sz="1200" dirty="0" smtClean="0"/>
+                        <a:rPr lang="en-US" sz="1100" dirty="0" smtClean="0"/>
                         <a:t>Bounce between lowest </a:t>
                       </a:r>
                       <a:r>
-                        <a:rPr lang="en-US" sz="1200" baseline="0" dirty="0" smtClean="0"/>
+                        <a:rPr lang="en-US" sz="1100" baseline="0" dirty="0" smtClean="0"/>
                         <a:t>and each other note in the series</a:t>
                       </a:r>
-                      <a:endParaRPr lang="en-US" sz="1200" dirty="0"/>
+                      <a:endParaRPr lang="en-US" sz="1100" dirty="0"/>
                     </a:p>
                   </a:txBody>
                   <a:tcPr anchor="ctr"/>
@@ -5113,10 +3780,10 @@
                     <a:p>
                       <a:pPr algn="ctr"/>
                       <a:r>
-                        <a:rPr lang="en-US" sz="1200" b="1" dirty="0" smtClean="0"/>
+                        <a:rPr lang="en-US" sz="1100" b="1" dirty="0" smtClean="0"/>
                         <a:t>Ping-Pong</a:t>
                       </a:r>
-                      <a:endParaRPr lang="en-US" sz="1200" b="1" dirty="0"/>
+                      <a:endParaRPr lang="en-US" sz="1100" b="1" dirty="0"/>
                     </a:p>
                   </a:txBody>
                   <a:tcPr anchor="ctr"/>
@@ -5127,14 +3794,14 @@
                     <a:lstStyle/>
                     <a:p>
                       <a:r>
-                        <a:rPr lang="en-US" sz="1200" dirty="0" smtClean="0"/>
+                        <a:rPr lang="en-US" sz="1100" dirty="0" smtClean="0"/>
                         <a:t>Alternate from lowest to highest, moving towards middle note until all</a:t>
                       </a:r>
                       <a:r>
-                        <a:rPr lang="en-US" sz="1200" baseline="0" dirty="0" smtClean="0"/>
+                        <a:rPr lang="en-US" sz="1100" baseline="0" dirty="0" smtClean="0"/>
                         <a:t> are played</a:t>
                       </a:r>
-                      <a:endParaRPr lang="en-US" sz="1200" dirty="0"/>
+                      <a:endParaRPr lang="en-US" sz="1100" dirty="0"/>
                     </a:p>
                   </a:txBody>
                   <a:tcPr anchor="ctr"/>
@@ -5148,10 +3815,10 @@
                     <a:p>
                       <a:pPr algn="ctr"/>
                       <a:r>
-                        <a:rPr lang="en-US" sz="1200" b="1" dirty="0" smtClean="0"/>
+                        <a:rPr lang="en-US" sz="1100" b="1" dirty="0" smtClean="0"/>
                         <a:t>Random</a:t>
                       </a:r>
-                      <a:endParaRPr lang="en-US" sz="1200" b="1" dirty="0"/>
+                      <a:endParaRPr lang="en-US" sz="1100" b="1" dirty="0"/>
                     </a:p>
                   </a:txBody>
                   <a:tcPr anchor="ctr"/>
@@ -5162,10 +3829,10 @@
                     <a:lstStyle/>
                     <a:p>
                       <a:r>
-                        <a:rPr lang="en-US" sz="1200" dirty="0" smtClean="0"/>
+                        <a:rPr lang="en-US" sz="1100" dirty="0" smtClean="0"/>
                         <a:t>Plays one note from each octave selected</a:t>
                       </a:r>
-                      <a:endParaRPr lang="en-US" sz="1200" dirty="0"/>
+                      <a:endParaRPr lang="en-US" sz="1100" dirty="0"/>
                     </a:p>
                   </a:txBody>
                   <a:tcPr anchor="ctr"/>
@@ -5184,14 +3851,14 @@
           <p:nvPr>
             <p:extLst>
               <p:ext uri="{D42A27DB-BD31-4B8C-83A1-F6EECF244321}">
-                <p14:modId xmlns:p14="http://schemas.microsoft.com/office/powerpoint/2010/main" val="3723980835"/>
+                <p14:modId xmlns:p14="http://schemas.microsoft.com/office/powerpoint/2010/main" val="4140799339"/>
               </p:ext>
             </p:extLst>
           </p:nvPr>
         </p:nvGraphicFramePr>
         <p:xfrm>
-          <a:off x="242337" y="3388367"/>
-          <a:ext cx="1422447" cy="3474719"/>
+          <a:off x="209490" y="2900336"/>
+          <a:ext cx="1213864" cy="3474719"/>
         </p:xfrm>
         <a:graphic>
           <a:graphicData uri="http://schemas.openxmlformats.org/drawingml/2006/table">
@@ -5200,9 +3867,9 @@
                 <a:tableStyleId>{3C2FFA5D-87B4-456A-9821-1D502468CF0F}</a:tableStyleId>
               </a:tblPr>
               <a:tblGrid>
-                <a:gridCol w="1422447"/>
+                <a:gridCol w="1213864"/>
               </a:tblGrid>
-              <a:tr h="195897">
+              <a:tr h="211221">
                 <a:tc>
                   <a:txBody>
                     <a:bodyPr/>
@@ -5219,7 +3886,7 @@
                   <a:tcPr/>
                 </a:tc>
               </a:tr>
-              <a:tr h="195897">
+              <a:tr h="168977">
                 <a:tc>
                   <a:txBody>
                     <a:bodyPr/>
@@ -5236,7 +3903,7 @@
                   <a:tcPr/>
                 </a:tc>
               </a:tr>
-              <a:tr h="195897">
+              <a:tr h="168977">
                 <a:tc>
                   <a:txBody>
                     <a:bodyPr/>
@@ -5253,7 +3920,41 @@
                   <a:tcPr/>
                 </a:tc>
               </a:tr>
-              <a:tr h="195897">
+              <a:tr h="168977">
+                <a:tc>
+                  <a:txBody>
+                    <a:bodyPr/>
+                    <a:lstStyle/>
+                    <a:p>
+                      <a:pPr algn="ctr"/>
+                      <a:r>
+                        <a:rPr lang="en-US" sz="1000" dirty="0" smtClean="0"/>
+                        <a:t>Blues</a:t>
+                      </a:r>
+                      <a:endParaRPr lang="en-US" sz="1000" dirty="0"/>
+                    </a:p>
+                  </a:txBody>
+                  <a:tcPr/>
+                </a:tc>
+              </a:tr>
+              <a:tr h="168977">
+                <a:tc>
+                  <a:txBody>
+                    <a:bodyPr/>
+                    <a:lstStyle/>
+                    <a:p>
+                      <a:pPr algn="ctr"/>
+                      <a:r>
+                        <a:rPr lang="en-US" sz="1000" dirty="0" smtClean="0"/>
+                        <a:t>Augmented</a:t>
+                      </a:r>
+                      <a:endParaRPr lang="en-US" sz="1000" dirty="0"/>
+                    </a:p>
+                  </a:txBody>
+                  <a:tcPr/>
+                </a:tc>
+              </a:tr>
+              <a:tr h="168977">
                 <a:tc>
                   <a:txBody>
                     <a:bodyPr/>
@@ -5270,7 +3971,7 @@
                   <a:tcPr/>
                 </a:tc>
               </a:tr>
-              <a:tr h="195897">
+              <a:tr h="168977">
                 <a:tc>
                   <a:txBody>
                     <a:bodyPr/>
@@ -5287,7 +3988,7 @@
                   <a:tcPr/>
                 </a:tc>
               </a:tr>
-              <a:tr h="195897">
+              <a:tr h="168977">
                 <a:tc>
                   <a:txBody>
                     <a:bodyPr/>
@@ -5304,7 +4005,7 @@
                   <a:tcPr/>
                 </a:tc>
               </a:tr>
-              <a:tr h="195897">
+              <a:tr h="168977">
                 <a:tc>
                   <a:txBody>
                     <a:bodyPr/>
@@ -5321,7 +4022,7 @@
                   <a:tcPr/>
                 </a:tc>
               </a:tr>
-              <a:tr h="195897">
+              <a:tr h="168977">
                 <a:tc>
                   <a:txBody>
                     <a:bodyPr/>
@@ -5338,7 +4039,7 @@
                   <a:tcPr/>
                 </a:tc>
               </a:tr>
-              <a:tr h="195897">
+              <a:tr h="168977">
                 <a:tc>
                   <a:txBody>
                     <a:bodyPr/>
@@ -5355,7 +4056,7 @@
                   <a:tcPr/>
                 </a:tc>
               </a:tr>
-              <a:tr h="195897">
+              <a:tr h="168977">
                 <a:tc>
                   <a:txBody>
                     <a:bodyPr/>
@@ -5372,7 +4073,7 @@
                   <a:tcPr/>
                 </a:tc>
               </a:tr>
-              <a:tr h="195897">
+              <a:tr h="168977">
                 <a:tc>
                   <a:txBody>
                     <a:bodyPr/>
@@ -5381,7 +4082,7 @@
                       <a:pPr algn="ctr"/>
                       <a:r>
                         <a:rPr lang="en-US" sz="1000" dirty="0" smtClean="0"/>
-                        <a:t>Blues</a:t>
+                        <a:t>Octaves</a:t>
                       </a:r>
                       <a:endParaRPr lang="en-US" sz="1000" dirty="0"/>
                     </a:p>
@@ -5389,41 +4090,7 @@
                   <a:tcPr/>
                 </a:tc>
               </a:tr>
-              <a:tr h="195897">
-                <a:tc>
-                  <a:txBody>
-                    <a:bodyPr/>
-                    <a:lstStyle/>
-                    <a:p>
-                      <a:pPr algn="ctr"/>
-                      <a:r>
-                        <a:rPr lang="en-US" sz="1000" dirty="0" smtClean="0"/>
-                        <a:t>Augmented</a:t>
-                      </a:r>
-                      <a:endParaRPr lang="en-US" sz="1000" dirty="0"/>
-                    </a:p>
-                  </a:txBody>
-                  <a:tcPr/>
-                </a:tc>
-              </a:tr>
-              <a:tr h="195897">
-                <a:tc>
-                  <a:txBody>
-                    <a:bodyPr/>
-                    <a:lstStyle/>
-                    <a:p>
-                      <a:pPr algn="ctr"/>
-                      <a:r>
-                        <a:rPr lang="en-US" sz="1000" smtClean="0"/>
-                        <a:t>Octaves</a:t>
-                      </a:r>
-                      <a:endParaRPr lang="en-US" sz="1000" dirty="0"/>
-                    </a:p>
-                  </a:txBody>
-                  <a:tcPr/>
-                </a:tc>
-              </a:tr>
-              <a:tr h="195897">
+              <a:tr h="168977">
                 <a:tc>
                   <a:txBody>
                     <a:bodyPr/>
@@ -5453,13 +4120,13 @@
           <p:nvPr>
             <p:extLst>
               <p:ext uri="{D42A27DB-BD31-4B8C-83A1-F6EECF244321}">
-                <p14:modId xmlns:p14="http://schemas.microsoft.com/office/powerpoint/2010/main" val="2573889307"/>
+                <p14:modId xmlns:p14="http://schemas.microsoft.com/office/powerpoint/2010/main" val="1106549228"/>
               </p:ext>
             </p:extLst>
           </p:nvPr>
         </p:nvGraphicFramePr>
         <p:xfrm>
-          <a:off x="1917747" y="3388367"/>
+          <a:off x="1658716" y="2900336"/>
           <a:ext cx="2020108" cy="2118359"/>
         </p:xfrm>
         <a:graphic>
@@ -5615,14 +4282,14 @@
           <p:nvPr>
             <p:extLst>
               <p:ext uri="{D42A27DB-BD31-4B8C-83A1-F6EECF244321}">
-                <p14:modId xmlns:p14="http://schemas.microsoft.com/office/powerpoint/2010/main" val="329222450"/>
+                <p14:modId xmlns:p14="http://schemas.microsoft.com/office/powerpoint/2010/main" val="2729806016"/>
               </p:ext>
             </p:extLst>
           </p:nvPr>
         </p:nvGraphicFramePr>
         <p:xfrm>
-          <a:off x="1917747" y="5613407"/>
-          <a:ext cx="2020108" cy="1005839"/>
+          <a:off x="1658716" y="5241771"/>
+          <a:ext cx="2020108" cy="1356359"/>
         </p:xfrm>
         <a:graphic>
           <a:graphicData uri="http://schemas.openxmlformats.org/drawingml/2006/table">
@@ -5642,7 +4309,7 @@
                       <a:pPr algn="ctr"/>
                       <a:r>
                         <a:rPr lang="en-US" sz="1400" dirty="0" smtClean="0"/>
-                        <a:t>Octaves</a:t>
+                        <a:t>Octaves / Root</a:t>
                       </a:r>
                       <a:endParaRPr lang="en-US" sz="1400" dirty="0"/>
                     </a:p>
@@ -5658,14 +4325,26 @@
                     <a:p>
                       <a:pPr algn="l"/>
                       <a:r>
-                        <a:rPr lang="en-US" sz="1000" dirty="0" smtClean="0"/>
+                        <a:rPr lang="en-US" sz="900" dirty="0" smtClean="0"/>
                         <a:t>This simply selects the number of repeats</a:t>
                       </a:r>
                       <a:r>
-                        <a:rPr lang="en-US" sz="1000" baseline="0" dirty="0" smtClean="0"/>
-                        <a:t> of the arpeggio (1 to 5), with each being transposed to the next octave up.</a:t>
-                      </a:r>
-                      <a:endParaRPr lang="en-US" sz="1000" dirty="0"/>
+                        <a:rPr lang="en-US" sz="900" baseline="0" dirty="0" smtClean="0"/>
+                        <a:t> of the arpeggio (1 to 5), with each being transposed to the next octave </a:t>
+                      </a:r>
+                      <a:r>
+                        <a:rPr lang="en-US" sz="900" baseline="0" dirty="0" smtClean="0"/>
+                        <a:t>up, and also sets the root note of the arpeggio. The exact </a:t>
+                      </a:r>
+                      <a:r>
+                        <a:rPr lang="en-US" sz="900" baseline="0" dirty="0" err="1" smtClean="0"/>
+                        <a:t>behaviour</a:t>
+                      </a:r>
+                      <a:r>
+                        <a:rPr lang="en-US" sz="900" baseline="0" dirty="0" smtClean="0"/>
+                        <a:t> of this parameter depends upon the settings selected in control mode.</a:t>
+                      </a:r>
+                      <a:endParaRPr lang="en-US" sz="900" dirty="0"/>
                     </a:p>
                   </a:txBody>
                   <a:tcPr/>
@@ -5683,7 +4362,7 @@
         </p:nvSpPr>
         <p:spPr>
           <a:xfrm>
-            <a:off x="5806599" y="93260"/>
+            <a:off x="5773752" y="102764"/>
             <a:ext cx="2243648" cy="400110"/>
           </a:xfrm>
           <a:prstGeom prst="rect">
@@ -5721,7 +4400,7 @@
         </p:nvSpPr>
         <p:spPr>
           <a:xfrm>
-            <a:off x="8498974" y="102722"/>
+            <a:off x="8466127" y="168416"/>
             <a:ext cx="1389836" cy="230832"/>
           </a:xfrm>
           <a:prstGeom prst="rect">
@@ -5756,6 +4435,1723 @@
               <a:t> 2013</a:t>
             </a:r>
             <a:endParaRPr lang="en-US" sz="900" i="1" dirty="0"/>
+          </a:p>
+        </p:txBody>
+      </p:sp>
+      <p:graphicFrame>
+        <p:nvGraphicFramePr>
+          <p:cNvPr id="16" name="Table 15"/>
+          <p:cNvGraphicFramePr>
+            <a:graphicFrameLocks noGrp="1"/>
+          </p:cNvGraphicFramePr>
+          <p:nvPr>
+            <p:extLst>
+              <p:ext uri="{D42A27DB-BD31-4B8C-83A1-F6EECF244321}">
+                <p14:modId xmlns:p14="http://schemas.microsoft.com/office/powerpoint/2010/main" val="797502327"/>
+              </p:ext>
+            </p:extLst>
+          </p:nvPr>
+        </p:nvGraphicFramePr>
+        <p:xfrm>
+          <a:off x="5829558" y="4336391"/>
+          <a:ext cx="1902244" cy="1082040"/>
+        </p:xfrm>
+        <a:graphic>
+          <a:graphicData uri="http://schemas.openxmlformats.org/drawingml/2006/table">
+            <a:tbl>
+              <a:tblPr>
+                <a:tableStyleId>{3C2FFA5D-87B4-456A-9821-1D502468CF0F}</a:tableStyleId>
+              </a:tblPr>
+              <a:tblGrid>
+                <a:gridCol w="571750"/>
+                <a:gridCol w="595006"/>
+                <a:gridCol w="375405"/>
+                <a:gridCol w="360083"/>
+              </a:tblGrid>
+              <a:tr h="266700">
+                <a:tc>
+                  <a:txBody>
+                    <a:bodyPr/>
+                    <a:lstStyle/>
+                    <a:p>
+                      <a:pPr algn="ctr"/>
+                      <a:r>
+                        <a:rPr lang="en-US" sz="1200" b="1" dirty="0" smtClean="0"/>
+                        <a:t>A0</a:t>
+                      </a:r>
+                      <a:endParaRPr lang="en-US" sz="1200" b="1" dirty="0"/>
+                    </a:p>
+                  </a:txBody>
+                  <a:tcPr/>
+                </a:tc>
+                <a:tc>
+                  <a:txBody>
+                    <a:bodyPr/>
+                    <a:lstStyle/>
+                    <a:p>
+                      <a:pPr algn="ctr"/>
+                      <a:r>
+                        <a:rPr lang="en-US" sz="1200" b="1" dirty="0" smtClean="0"/>
+                        <a:t>A1</a:t>
+                      </a:r>
+                      <a:endParaRPr lang="en-US" sz="1200" b="1" dirty="0"/>
+                    </a:p>
+                  </a:txBody>
+                  <a:tcPr/>
+                </a:tc>
+                <a:tc gridSpan="2">
+                  <a:txBody>
+                    <a:bodyPr/>
+                    <a:lstStyle/>
+                    <a:p>
+                      <a:pPr algn="ctr"/>
+                      <a:r>
+                        <a:rPr lang="en-US" sz="1200" b="1" i="1" dirty="0" smtClean="0"/>
+                        <a:t>Default</a:t>
+                      </a:r>
+                      <a:endParaRPr lang="en-US" sz="1100" b="1" i="1" dirty="0"/>
+                    </a:p>
+                  </a:txBody>
+                  <a:tcPr anchor="ctr"/>
+                </a:tc>
+                <a:tc hMerge="1">
+                  <a:txBody>
+                    <a:bodyPr/>
+                    <a:lstStyle/>
+                    <a:p>
+                      <a:endParaRPr lang="en-US" dirty="0"/>
+                    </a:p>
+                  </a:txBody>
+                  <a:tcPr anchor="ctr"/>
+                </a:tc>
+              </a:tr>
+              <a:tr h="121615">
+                <a:tc>
+                  <a:txBody>
+                    <a:bodyPr/>
+                    <a:lstStyle/>
+                    <a:p>
+                      <a:pPr algn="ctr"/>
+                      <a:r>
+                        <a:rPr lang="en-US" sz="1100" dirty="0" smtClean="0"/>
+                        <a:t>Mode</a:t>
+                      </a:r>
+                      <a:endParaRPr lang="en-US" sz="1100" dirty="0"/>
+                    </a:p>
+                  </a:txBody>
+                  <a:tcPr/>
+                </a:tc>
+                <a:tc>
+                  <a:txBody>
+                    <a:bodyPr/>
+                    <a:lstStyle/>
+                    <a:p>
+                      <a:pPr algn="ctr"/>
+                      <a:r>
+                        <a:rPr lang="en-US" sz="1100" dirty="0" smtClean="0"/>
+                        <a:t>O/R</a:t>
+                      </a:r>
+                      <a:endParaRPr lang="en-US" sz="1100" dirty="0"/>
+                    </a:p>
+                  </a:txBody>
+                  <a:tcPr/>
+                </a:tc>
+                <a:tc>
+                  <a:txBody>
+                    <a:bodyPr/>
+                    <a:lstStyle/>
+                    <a:p>
+                      <a:pPr algn="ctr"/>
+                      <a:r>
+                        <a:rPr lang="en-US" sz="1200" b="1" dirty="0" smtClean="0"/>
+                        <a:t>D0</a:t>
+                      </a:r>
+                      <a:endParaRPr lang="en-US" sz="1200" b="1" dirty="0"/>
+                    </a:p>
+                  </a:txBody>
+                  <a:tcPr anchor="ctr"/>
+                </a:tc>
+                <a:tc>
+                  <a:txBody>
+                    <a:bodyPr/>
+                    <a:lstStyle/>
+                    <a:p>
+                      <a:pPr algn="ctr"/>
+                      <a:r>
+                        <a:rPr lang="en-US" sz="1200" b="1" dirty="0" smtClean="0"/>
+                        <a:t>D1</a:t>
+                      </a:r>
+                      <a:endParaRPr lang="en-US" sz="1200" b="1" dirty="0"/>
+                    </a:p>
+                  </a:txBody>
+                  <a:tcPr anchor="ctr"/>
+                </a:tc>
+              </a:tr>
+              <a:tr h="121615">
+                <a:tc>
+                  <a:txBody>
+                    <a:bodyPr/>
+                    <a:lstStyle/>
+                    <a:p>
+                      <a:pPr algn="ctr"/>
+                      <a:r>
+                        <a:rPr lang="en-US" sz="1200" b="1" dirty="0" smtClean="0"/>
+                        <a:t>A2</a:t>
+                      </a:r>
+                      <a:endParaRPr lang="en-US" sz="1200" b="1" dirty="0"/>
+                    </a:p>
+                  </a:txBody>
+                  <a:tcPr/>
+                </a:tc>
+                <a:tc>
+                  <a:txBody>
+                    <a:bodyPr/>
+                    <a:lstStyle/>
+                    <a:p>
+                      <a:pPr algn="ctr"/>
+                      <a:r>
+                        <a:rPr lang="en-US" sz="1200" b="1" dirty="0" smtClean="0"/>
+                        <a:t>A3</a:t>
+                      </a:r>
+                      <a:endParaRPr lang="en-US" sz="1200" b="1" dirty="0"/>
+                    </a:p>
+                  </a:txBody>
+                  <a:tcPr/>
+                </a:tc>
+                <a:tc rowSpan="2">
+                  <a:txBody>
+                    <a:bodyPr/>
+                    <a:lstStyle/>
+                    <a:p>
+                      <a:pPr algn="ctr"/>
+                      <a:endParaRPr lang="en-US" sz="1200" dirty="0"/>
+                    </a:p>
+                  </a:txBody>
+                  <a:tcPr anchor="ctr"/>
+                </a:tc>
+                <a:tc rowSpan="2">
+                  <a:txBody>
+                    <a:bodyPr/>
+                    <a:lstStyle/>
+                    <a:p>
+                      <a:pPr algn="ctr"/>
+                      <a:r>
+                        <a:rPr lang="en-US" sz="1200" dirty="0" smtClean="0"/>
+                        <a:t>On</a:t>
+                      </a:r>
+                      <a:endParaRPr lang="en-US" sz="1200" dirty="0"/>
+                    </a:p>
+                  </a:txBody>
+                  <a:tcPr anchor="ctr"/>
+                </a:tc>
+              </a:tr>
+              <a:tr h="170261">
+                <a:tc>
+                  <a:txBody>
+                    <a:bodyPr/>
+                    <a:lstStyle/>
+                    <a:p>
+                      <a:pPr algn="ctr"/>
+                      <a:r>
+                        <a:rPr lang="en-US" sz="1100" dirty="0" smtClean="0"/>
+                        <a:t>S/D</a:t>
+                      </a:r>
+                      <a:endParaRPr lang="en-US" sz="1100" dirty="0"/>
+                    </a:p>
+                  </a:txBody>
+                  <a:tcPr/>
+                </a:tc>
+                <a:tc>
+                  <a:txBody>
+                    <a:bodyPr/>
+                    <a:lstStyle/>
+                    <a:p>
+                      <a:pPr algn="ctr"/>
+                      <a:r>
+                        <a:rPr lang="en-US" sz="1100" dirty="0" smtClean="0"/>
+                        <a:t>Scale</a:t>
+                      </a:r>
+                      <a:endParaRPr lang="en-US" sz="1100" dirty="0"/>
+                    </a:p>
+                  </a:txBody>
+                  <a:tcPr/>
+                </a:tc>
+                <a:tc vMerge="1">
+                  <a:txBody>
+                    <a:bodyPr/>
+                    <a:lstStyle/>
+                    <a:p>
+                      <a:endParaRPr lang="en-US" sz="1400" dirty="0"/>
+                    </a:p>
+                  </a:txBody>
+                  <a:tcPr/>
+                </a:tc>
+                <a:tc vMerge="1">
+                  <a:txBody>
+                    <a:bodyPr/>
+                    <a:lstStyle/>
+                    <a:p>
+                      <a:endParaRPr lang="en-US" sz="1400" dirty="0"/>
+                    </a:p>
+                  </a:txBody>
+                  <a:tcPr/>
+                </a:tc>
+              </a:tr>
+            </a:tbl>
+          </a:graphicData>
+        </a:graphic>
+      </p:graphicFrame>
+      <p:graphicFrame>
+        <p:nvGraphicFramePr>
+          <p:cNvPr id="17" name="Table 16"/>
+          <p:cNvGraphicFramePr>
+            <a:graphicFrameLocks noGrp="1"/>
+          </p:cNvGraphicFramePr>
+          <p:nvPr>
+            <p:extLst>
+              <p:ext uri="{D42A27DB-BD31-4B8C-83A1-F6EECF244321}">
+                <p14:modId xmlns:p14="http://schemas.microsoft.com/office/powerpoint/2010/main" val="3154542883"/>
+              </p:ext>
+            </p:extLst>
+          </p:nvPr>
+        </p:nvGraphicFramePr>
+        <p:xfrm>
+          <a:off x="7819947" y="4336391"/>
+          <a:ext cx="1902244" cy="1082040"/>
+        </p:xfrm>
+        <a:graphic>
+          <a:graphicData uri="http://schemas.openxmlformats.org/drawingml/2006/table">
+            <a:tbl>
+              <a:tblPr>
+                <a:tableStyleId>{3C2FFA5D-87B4-456A-9821-1D502468CF0F}</a:tableStyleId>
+              </a:tblPr>
+              <a:tblGrid>
+                <a:gridCol w="571750"/>
+                <a:gridCol w="595006"/>
+                <a:gridCol w="375405"/>
+                <a:gridCol w="360083"/>
+              </a:tblGrid>
+              <a:tr h="266700">
+                <a:tc>
+                  <a:txBody>
+                    <a:bodyPr/>
+                    <a:lstStyle/>
+                    <a:p>
+                      <a:pPr algn="ctr"/>
+                      <a:r>
+                        <a:rPr lang="en-US" sz="1200" b="1" dirty="0" smtClean="0"/>
+                        <a:t>A0</a:t>
+                      </a:r>
+                      <a:endParaRPr lang="en-US" sz="1200" b="1" dirty="0"/>
+                    </a:p>
+                  </a:txBody>
+                  <a:tcPr/>
+                </a:tc>
+                <a:tc>
+                  <a:txBody>
+                    <a:bodyPr/>
+                    <a:lstStyle/>
+                    <a:p>
+                      <a:pPr algn="ctr"/>
+                      <a:r>
+                        <a:rPr lang="en-US" sz="1200" b="1" dirty="0" smtClean="0"/>
+                        <a:t>A1</a:t>
+                      </a:r>
+                      <a:endParaRPr lang="en-US" sz="1200" b="1" dirty="0"/>
+                    </a:p>
+                  </a:txBody>
+                  <a:tcPr/>
+                </a:tc>
+                <a:tc gridSpan="2">
+                  <a:txBody>
+                    <a:bodyPr/>
+                    <a:lstStyle/>
+                    <a:p>
+                      <a:pPr algn="ctr"/>
+                      <a:r>
+                        <a:rPr lang="en-US" sz="1200" b="1" i="1" dirty="0" smtClean="0"/>
+                        <a:t>Default</a:t>
+                      </a:r>
+                      <a:endParaRPr lang="en-US" sz="1100" b="1" i="1" dirty="0"/>
+                    </a:p>
+                  </a:txBody>
+                  <a:tcPr anchor="ctr"/>
+                </a:tc>
+                <a:tc hMerge="1">
+                  <a:txBody>
+                    <a:bodyPr/>
+                    <a:lstStyle/>
+                    <a:p>
+                      <a:endParaRPr lang="en-US" dirty="0"/>
+                    </a:p>
+                  </a:txBody>
+                  <a:tcPr anchor="ctr"/>
+                </a:tc>
+              </a:tr>
+              <a:tr h="121615">
+                <a:tc>
+                  <a:txBody>
+                    <a:bodyPr/>
+                    <a:lstStyle/>
+                    <a:p>
+                      <a:pPr algn="ctr"/>
+                      <a:r>
+                        <a:rPr lang="en-US" sz="1100" dirty="0" smtClean="0"/>
+                        <a:t>O/R</a:t>
+                      </a:r>
+                      <a:endParaRPr lang="en-US" sz="1100" dirty="0"/>
+                    </a:p>
+                  </a:txBody>
+                  <a:tcPr/>
+                </a:tc>
+                <a:tc>
+                  <a:txBody>
+                    <a:bodyPr/>
+                    <a:lstStyle/>
+                    <a:p>
+                      <a:pPr algn="ctr"/>
+                      <a:r>
+                        <a:rPr lang="en-US" sz="1100" dirty="0" smtClean="0"/>
+                        <a:t>Scale</a:t>
+                      </a:r>
+                      <a:endParaRPr lang="en-US" sz="1100" dirty="0"/>
+                    </a:p>
+                  </a:txBody>
+                  <a:tcPr/>
+                </a:tc>
+                <a:tc>
+                  <a:txBody>
+                    <a:bodyPr/>
+                    <a:lstStyle/>
+                    <a:p>
+                      <a:pPr algn="ctr"/>
+                      <a:r>
+                        <a:rPr lang="en-US" sz="1200" b="1" dirty="0" smtClean="0"/>
+                        <a:t>D0</a:t>
+                      </a:r>
+                      <a:endParaRPr lang="en-US" sz="1200" b="1" dirty="0"/>
+                    </a:p>
+                  </a:txBody>
+                  <a:tcPr anchor="ctr"/>
+                </a:tc>
+                <a:tc>
+                  <a:txBody>
+                    <a:bodyPr/>
+                    <a:lstStyle/>
+                    <a:p>
+                      <a:pPr algn="ctr"/>
+                      <a:r>
+                        <a:rPr lang="en-US" sz="1200" b="1" dirty="0" smtClean="0"/>
+                        <a:t>D1</a:t>
+                      </a:r>
+                      <a:endParaRPr lang="en-US" sz="1200" b="1" dirty="0"/>
+                    </a:p>
+                  </a:txBody>
+                  <a:tcPr anchor="ctr"/>
+                </a:tc>
+              </a:tr>
+              <a:tr h="121615">
+                <a:tc>
+                  <a:txBody>
+                    <a:bodyPr/>
+                    <a:lstStyle/>
+                    <a:p>
+                      <a:pPr algn="ctr"/>
+                      <a:r>
+                        <a:rPr lang="en-US" sz="1200" b="1" dirty="0" smtClean="0"/>
+                        <a:t>A2</a:t>
+                      </a:r>
+                      <a:endParaRPr lang="en-US" sz="1200" b="1" dirty="0"/>
+                    </a:p>
+                  </a:txBody>
+                  <a:tcPr/>
+                </a:tc>
+                <a:tc>
+                  <a:txBody>
+                    <a:bodyPr/>
+                    <a:lstStyle/>
+                    <a:p>
+                      <a:pPr algn="ctr"/>
+                      <a:r>
+                        <a:rPr lang="en-US" sz="1200" b="1" dirty="0" smtClean="0"/>
+                        <a:t>A3</a:t>
+                      </a:r>
+                      <a:endParaRPr lang="en-US" sz="1200" b="1" dirty="0"/>
+                    </a:p>
+                  </a:txBody>
+                  <a:tcPr/>
+                </a:tc>
+                <a:tc rowSpan="2">
+                  <a:txBody>
+                    <a:bodyPr/>
+                    <a:lstStyle/>
+                    <a:p>
+                      <a:pPr algn="ctr"/>
+                      <a:r>
+                        <a:rPr lang="en-US" sz="1200" dirty="0" smtClean="0"/>
+                        <a:t>On</a:t>
+                      </a:r>
+                    </a:p>
+                  </a:txBody>
+                  <a:tcPr anchor="ctr"/>
+                </a:tc>
+                <a:tc rowSpan="2">
+                  <a:txBody>
+                    <a:bodyPr/>
+                    <a:lstStyle/>
+                    <a:p>
+                      <a:pPr algn="ctr"/>
+                      <a:endParaRPr lang="en-US" sz="1200" dirty="0"/>
+                    </a:p>
+                  </a:txBody>
+                  <a:tcPr anchor="ctr"/>
+                </a:tc>
+              </a:tr>
+              <a:tr h="170261">
+                <a:tc>
+                  <a:txBody>
+                    <a:bodyPr/>
+                    <a:lstStyle/>
+                    <a:p>
+                      <a:pPr algn="ctr"/>
+                      <a:r>
+                        <a:rPr lang="en-US" sz="1100" dirty="0" smtClean="0"/>
+                        <a:t>S/D</a:t>
+                      </a:r>
+                      <a:endParaRPr lang="en-US" sz="1100" dirty="0"/>
+                    </a:p>
+                  </a:txBody>
+                  <a:tcPr/>
+                </a:tc>
+                <a:tc>
+                  <a:txBody>
+                    <a:bodyPr/>
+                    <a:lstStyle/>
+                    <a:p>
+                      <a:pPr algn="ctr"/>
+                      <a:r>
+                        <a:rPr lang="en-US" sz="1100" dirty="0" smtClean="0"/>
+                        <a:t>Mode</a:t>
+                      </a:r>
+                      <a:endParaRPr lang="en-US" sz="1100" dirty="0"/>
+                    </a:p>
+                  </a:txBody>
+                  <a:tcPr/>
+                </a:tc>
+                <a:tc vMerge="1">
+                  <a:txBody>
+                    <a:bodyPr/>
+                    <a:lstStyle/>
+                    <a:p>
+                      <a:endParaRPr lang="en-US" sz="1400" dirty="0"/>
+                    </a:p>
+                  </a:txBody>
+                  <a:tcPr/>
+                </a:tc>
+                <a:tc vMerge="1">
+                  <a:txBody>
+                    <a:bodyPr/>
+                    <a:lstStyle/>
+                    <a:p>
+                      <a:endParaRPr lang="en-US" sz="1400" dirty="0"/>
+                    </a:p>
+                  </a:txBody>
+                  <a:tcPr/>
+                </a:tc>
+              </a:tr>
+            </a:tbl>
+          </a:graphicData>
+        </a:graphic>
+      </p:graphicFrame>
+      <p:graphicFrame>
+        <p:nvGraphicFramePr>
+          <p:cNvPr id="18" name="Table 17"/>
+          <p:cNvGraphicFramePr>
+            <a:graphicFrameLocks noGrp="1"/>
+          </p:cNvGraphicFramePr>
+          <p:nvPr>
+            <p:extLst>
+              <p:ext uri="{D42A27DB-BD31-4B8C-83A1-F6EECF244321}">
+                <p14:modId xmlns:p14="http://schemas.microsoft.com/office/powerpoint/2010/main" val="2680997665"/>
+              </p:ext>
+            </p:extLst>
+          </p:nvPr>
+        </p:nvGraphicFramePr>
+        <p:xfrm>
+          <a:off x="3833352" y="5514982"/>
+          <a:ext cx="1902244" cy="1082040"/>
+        </p:xfrm>
+        <a:graphic>
+          <a:graphicData uri="http://schemas.openxmlformats.org/drawingml/2006/table">
+            <a:tbl>
+              <a:tblPr>
+                <a:tableStyleId>{3C2FFA5D-87B4-456A-9821-1D502468CF0F}</a:tableStyleId>
+              </a:tblPr>
+              <a:tblGrid>
+                <a:gridCol w="571750"/>
+                <a:gridCol w="595006"/>
+                <a:gridCol w="375405"/>
+                <a:gridCol w="360083"/>
+              </a:tblGrid>
+              <a:tr h="266700">
+                <a:tc>
+                  <a:txBody>
+                    <a:bodyPr/>
+                    <a:lstStyle/>
+                    <a:p>
+                      <a:pPr algn="ctr"/>
+                      <a:r>
+                        <a:rPr lang="en-US" sz="1200" b="1" dirty="0" smtClean="0"/>
+                        <a:t>A0</a:t>
+                      </a:r>
+                      <a:endParaRPr lang="en-US" sz="1200" b="1" dirty="0"/>
+                    </a:p>
+                  </a:txBody>
+                  <a:tcPr/>
+                </a:tc>
+                <a:tc>
+                  <a:txBody>
+                    <a:bodyPr/>
+                    <a:lstStyle/>
+                    <a:p>
+                      <a:pPr algn="ctr"/>
+                      <a:r>
+                        <a:rPr lang="en-US" sz="1200" b="1" dirty="0" smtClean="0"/>
+                        <a:t>A1</a:t>
+                      </a:r>
+                      <a:endParaRPr lang="en-US" sz="1200" b="1" dirty="0"/>
+                    </a:p>
+                  </a:txBody>
+                  <a:tcPr/>
+                </a:tc>
+                <a:tc gridSpan="2">
+                  <a:txBody>
+                    <a:bodyPr/>
+                    <a:lstStyle/>
+                    <a:p>
+                      <a:pPr algn="ctr"/>
+                      <a:r>
+                        <a:rPr lang="en-US" sz="1200" b="1" i="1" dirty="0" smtClean="0"/>
+                        <a:t>Default</a:t>
+                      </a:r>
+                      <a:endParaRPr lang="en-US" sz="1100" b="1" i="1" dirty="0"/>
+                    </a:p>
+                  </a:txBody>
+                  <a:tcPr anchor="ctr"/>
+                </a:tc>
+                <a:tc hMerge="1">
+                  <a:txBody>
+                    <a:bodyPr/>
+                    <a:lstStyle/>
+                    <a:p>
+                      <a:endParaRPr lang="en-US" dirty="0"/>
+                    </a:p>
+                  </a:txBody>
+                  <a:tcPr anchor="ctr"/>
+                </a:tc>
+              </a:tr>
+              <a:tr h="121615">
+                <a:tc>
+                  <a:txBody>
+                    <a:bodyPr/>
+                    <a:lstStyle/>
+                    <a:p>
+                      <a:pPr algn="ctr"/>
+                      <a:r>
+                        <a:rPr lang="en-US" sz="1100" dirty="0" smtClean="0"/>
+                        <a:t>S/D</a:t>
+                      </a:r>
+                      <a:endParaRPr lang="en-US" sz="1100" dirty="0"/>
+                    </a:p>
+                  </a:txBody>
+                  <a:tcPr/>
+                </a:tc>
+                <a:tc>
+                  <a:txBody>
+                    <a:bodyPr/>
+                    <a:lstStyle/>
+                    <a:p>
+                      <a:pPr algn="ctr"/>
+                      <a:r>
+                        <a:rPr lang="en-US" sz="1100" dirty="0" smtClean="0"/>
+                        <a:t>Mode</a:t>
+                      </a:r>
+                      <a:endParaRPr lang="en-US" sz="1100" dirty="0"/>
+                    </a:p>
+                  </a:txBody>
+                  <a:tcPr/>
+                </a:tc>
+                <a:tc>
+                  <a:txBody>
+                    <a:bodyPr/>
+                    <a:lstStyle/>
+                    <a:p>
+                      <a:pPr algn="ctr"/>
+                      <a:r>
+                        <a:rPr lang="en-US" sz="1200" b="1" dirty="0" smtClean="0"/>
+                        <a:t>D0</a:t>
+                      </a:r>
+                      <a:endParaRPr lang="en-US" sz="1200" b="1" dirty="0"/>
+                    </a:p>
+                  </a:txBody>
+                  <a:tcPr anchor="ctr"/>
+                </a:tc>
+                <a:tc>
+                  <a:txBody>
+                    <a:bodyPr/>
+                    <a:lstStyle/>
+                    <a:p>
+                      <a:pPr algn="ctr"/>
+                      <a:r>
+                        <a:rPr lang="en-US" sz="1200" b="1" dirty="0" smtClean="0"/>
+                        <a:t>D1</a:t>
+                      </a:r>
+                      <a:endParaRPr lang="en-US" sz="1200" b="1" dirty="0"/>
+                    </a:p>
+                  </a:txBody>
+                  <a:tcPr anchor="ctr"/>
+                </a:tc>
+              </a:tr>
+              <a:tr h="121615">
+                <a:tc>
+                  <a:txBody>
+                    <a:bodyPr/>
+                    <a:lstStyle/>
+                    <a:p>
+                      <a:pPr algn="ctr"/>
+                      <a:r>
+                        <a:rPr lang="en-US" sz="1200" b="1" dirty="0" smtClean="0"/>
+                        <a:t>A2</a:t>
+                      </a:r>
+                      <a:endParaRPr lang="en-US" sz="1200" b="1" dirty="0"/>
+                    </a:p>
+                  </a:txBody>
+                  <a:tcPr/>
+                </a:tc>
+                <a:tc>
+                  <a:txBody>
+                    <a:bodyPr/>
+                    <a:lstStyle/>
+                    <a:p>
+                      <a:pPr algn="ctr"/>
+                      <a:r>
+                        <a:rPr lang="en-US" sz="1200" b="1" dirty="0" smtClean="0"/>
+                        <a:t>A3</a:t>
+                      </a:r>
+                      <a:endParaRPr lang="en-US" sz="1200" b="1" dirty="0"/>
+                    </a:p>
+                  </a:txBody>
+                  <a:tcPr/>
+                </a:tc>
+                <a:tc rowSpan="2">
+                  <a:txBody>
+                    <a:bodyPr/>
+                    <a:lstStyle/>
+                    <a:p>
+                      <a:pPr algn="ctr"/>
+                      <a:r>
+                        <a:rPr lang="en-US" sz="1200" dirty="0" smtClean="0"/>
+                        <a:t>On</a:t>
+                      </a:r>
+                      <a:endParaRPr lang="en-US" sz="1200" dirty="0"/>
+                    </a:p>
+                  </a:txBody>
+                  <a:tcPr anchor="ctr"/>
+                </a:tc>
+                <a:tc rowSpan="2">
+                  <a:txBody>
+                    <a:bodyPr/>
+                    <a:lstStyle/>
+                    <a:p>
+                      <a:pPr algn="ctr"/>
+                      <a:r>
+                        <a:rPr lang="en-US" sz="1200" dirty="0" smtClean="0"/>
+                        <a:t>On</a:t>
+                      </a:r>
+                      <a:endParaRPr lang="en-US" sz="1200" dirty="0"/>
+                    </a:p>
+                  </a:txBody>
+                  <a:tcPr anchor="ctr"/>
+                </a:tc>
+              </a:tr>
+              <a:tr h="170261">
+                <a:tc>
+                  <a:txBody>
+                    <a:bodyPr/>
+                    <a:lstStyle/>
+                    <a:p>
+                      <a:pPr algn="ctr"/>
+                      <a:r>
+                        <a:rPr lang="en-US" sz="1100" dirty="0" smtClean="0"/>
+                        <a:t>O/R</a:t>
+                      </a:r>
+                      <a:endParaRPr lang="en-US" sz="1100" dirty="0"/>
+                    </a:p>
+                  </a:txBody>
+                  <a:tcPr marL="36000" marR="36000"/>
+                </a:tc>
+                <a:tc>
+                  <a:txBody>
+                    <a:bodyPr/>
+                    <a:lstStyle/>
+                    <a:p>
+                      <a:pPr algn="ctr"/>
+                      <a:r>
+                        <a:rPr lang="en-US" sz="1100" dirty="0" smtClean="0"/>
+                        <a:t>Scale</a:t>
+                      </a:r>
+                      <a:endParaRPr lang="en-US" sz="1100" dirty="0"/>
+                    </a:p>
+                  </a:txBody>
+                  <a:tcPr/>
+                </a:tc>
+                <a:tc vMerge="1">
+                  <a:txBody>
+                    <a:bodyPr/>
+                    <a:lstStyle/>
+                    <a:p>
+                      <a:endParaRPr lang="en-US" sz="1400" dirty="0"/>
+                    </a:p>
+                  </a:txBody>
+                  <a:tcPr/>
+                </a:tc>
+                <a:tc vMerge="1">
+                  <a:txBody>
+                    <a:bodyPr/>
+                    <a:lstStyle/>
+                    <a:p>
+                      <a:endParaRPr lang="en-US" sz="1400" dirty="0"/>
+                    </a:p>
+                  </a:txBody>
+                  <a:tcPr/>
+                </a:tc>
+              </a:tr>
+            </a:tbl>
+          </a:graphicData>
+        </a:graphic>
+      </p:graphicFrame>
+      <p:graphicFrame>
+        <p:nvGraphicFramePr>
+          <p:cNvPr id="19" name="Table 18"/>
+          <p:cNvGraphicFramePr>
+            <a:graphicFrameLocks noGrp="1"/>
+          </p:cNvGraphicFramePr>
+          <p:nvPr>
+            <p:extLst>
+              <p:ext uri="{D42A27DB-BD31-4B8C-83A1-F6EECF244321}">
+                <p14:modId xmlns:p14="http://schemas.microsoft.com/office/powerpoint/2010/main" val="3631295054"/>
+              </p:ext>
+            </p:extLst>
+          </p:nvPr>
+        </p:nvGraphicFramePr>
+        <p:xfrm>
+          <a:off x="5829558" y="5514982"/>
+          <a:ext cx="1902244" cy="1082040"/>
+        </p:xfrm>
+        <a:graphic>
+          <a:graphicData uri="http://schemas.openxmlformats.org/drawingml/2006/table">
+            <a:tbl>
+              <a:tblPr>
+                <a:tableStyleId>{3C2FFA5D-87B4-456A-9821-1D502468CF0F}</a:tableStyleId>
+              </a:tblPr>
+              <a:tblGrid>
+                <a:gridCol w="571750"/>
+                <a:gridCol w="595006"/>
+                <a:gridCol w="375405"/>
+                <a:gridCol w="360083"/>
+              </a:tblGrid>
+              <a:tr h="266700">
+                <a:tc>
+                  <a:txBody>
+                    <a:bodyPr/>
+                    <a:lstStyle/>
+                    <a:p>
+                      <a:pPr algn="ctr"/>
+                      <a:r>
+                        <a:rPr lang="en-US" sz="1200" b="1" dirty="0" smtClean="0"/>
+                        <a:t>A0</a:t>
+                      </a:r>
+                      <a:endParaRPr lang="en-US" sz="1200" b="1" dirty="0"/>
+                    </a:p>
+                  </a:txBody>
+                  <a:tcPr/>
+                </a:tc>
+                <a:tc>
+                  <a:txBody>
+                    <a:bodyPr/>
+                    <a:lstStyle/>
+                    <a:p>
+                      <a:pPr algn="ctr"/>
+                      <a:r>
+                        <a:rPr lang="en-US" sz="1200" b="1" dirty="0" smtClean="0"/>
+                        <a:t>A1</a:t>
+                      </a:r>
+                      <a:endParaRPr lang="en-US" sz="1200" b="1" dirty="0"/>
+                    </a:p>
+                  </a:txBody>
+                  <a:tcPr/>
+                </a:tc>
+                <a:tc gridSpan="2">
+                  <a:txBody>
+                    <a:bodyPr/>
+                    <a:lstStyle/>
+                    <a:p>
+                      <a:pPr algn="ctr"/>
+                      <a:r>
+                        <a:rPr lang="en-US" sz="1200" b="1" i="1" dirty="0" smtClean="0"/>
+                        <a:t>Default</a:t>
+                      </a:r>
+                      <a:endParaRPr lang="en-US" sz="1100" b="1" i="1" dirty="0"/>
+                    </a:p>
+                  </a:txBody>
+                  <a:tcPr anchor="ctr"/>
+                </a:tc>
+                <a:tc hMerge="1">
+                  <a:txBody>
+                    <a:bodyPr/>
+                    <a:lstStyle/>
+                    <a:p>
+                      <a:endParaRPr lang="en-US" dirty="0"/>
+                    </a:p>
+                  </a:txBody>
+                  <a:tcPr anchor="ctr"/>
+                </a:tc>
+              </a:tr>
+              <a:tr h="121615">
+                <a:tc>
+                  <a:txBody>
+                    <a:bodyPr/>
+                    <a:lstStyle/>
+                    <a:p>
+                      <a:pPr algn="ctr"/>
+                      <a:r>
+                        <a:rPr lang="en-US" sz="1100" dirty="0" smtClean="0"/>
+                        <a:t>S/D</a:t>
+                      </a:r>
+                      <a:endParaRPr lang="en-US" sz="1100" dirty="0"/>
+                    </a:p>
+                  </a:txBody>
+                  <a:tcPr/>
+                </a:tc>
+                <a:tc>
+                  <a:txBody>
+                    <a:bodyPr/>
+                    <a:lstStyle/>
+                    <a:p>
+                      <a:pPr algn="ctr"/>
+                      <a:r>
+                        <a:rPr lang="en-US" sz="1100" dirty="0" smtClean="0"/>
+                        <a:t>Scale</a:t>
+                      </a:r>
+                      <a:endParaRPr lang="en-US" sz="1100" dirty="0"/>
+                    </a:p>
+                  </a:txBody>
+                  <a:tcPr/>
+                </a:tc>
+                <a:tc>
+                  <a:txBody>
+                    <a:bodyPr/>
+                    <a:lstStyle/>
+                    <a:p>
+                      <a:pPr algn="ctr"/>
+                      <a:r>
+                        <a:rPr lang="en-US" sz="1200" b="1" dirty="0" smtClean="0"/>
+                        <a:t>D0</a:t>
+                      </a:r>
+                      <a:endParaRPr lang="en-US" sz="1200" b="1" dirty="0"/>
+                    </a:p>
+                  </a:txBody>
+                  <a:tcPr anchor="ctr"/>
+                </a:tc>
+                <a:tc>
+                  <a:txBody>
+                    <a:bodyPr/>
+                    <a:lstStyle/>
+                    <a:p>
+                      <a:pPr algn="ctr"/>
+                      <a:r>
+                        <a:rPr lang="en-US" sz="1200" b="1" dirty="0" smtClean="0"/>
+                        <a:t>D1</a:t>
+                      </a:r>
+                      <a:endParaRPr lang="en-US" sz="1200" b="1" dirty="0"/>
+                    </a:p>
+                  </a:txBody>
+                  <a:tcPr anchor="ctr"/>
+                </a:tc>
+              </a:tr>
+              <a:tr h="121615">
+                <a:tc>
+                  <a:txBody>
+                    <a:bodyPr/>
+                    <a:lstStyle/>
+                    <a:p>
+                      <a:pPr algn="ctr"/>
+                      <a:r>
+                        <a:rPr lang="en-US" sz="1200" b="1" dirty="0" smtClean="0"/>
+                        <a:t>A2</a:t>
+                      </a:r>
+                      <a:endParaRPr lang="en-US" sz="1200" b="1" dirty="0"/>
+                    </a:p>
+                  </a:txBody>
+                  <a:tcPr/>
+                </a:tc>
+                <a:tc>
+                  <a:txBody>
+                    <a:bodyPr/>
+                    <a:lstStyle/>
+                    <a:p>
+                      <a:pPr algn="ctr"/>
+                      <a:r>
+                        <a:rPr lang="en-US" sz="1200" b="1" dirty="0" smtClean="0"/>
+                        <a:t>A3</a:t>
+                      </a:r>
+                      <a:endParaRPr lang="en-US" sz="1200" b="1" dirty="0"/>
+                    </a:p>
+                  </a:txBody>
+                  <a:tcPr/>
+                </a:tc>
+                <a:tc rowSpan="2">
+                  <a:txBody>
+                    <a:bodyPr/>
+                    <a:lstStyle/>
+                    <a:p>
+                      <a:pPr algn="ctr"/>
+                      <a:endParaRPr lang="en-US" sz="1200" dirty="0"/>
+                    </a:p>
+                  </a:txBody>
+                  <a:tcPr anchor="ctr"/>
+                </a:tc>
+                <a:tc rowSpan="2">
+                  <a:txBody>
+                    <a:bodyPr/>
+                    <a:lstStyle/>
+                    <a:p>
+                      <a:pPr algn="ctr"/>
+                      <a:r>
+                        <a:rPr lang="en-US" sz="2000" dirty="0" smtClean="0"/>
+                        <a:t>*</a:t>
+                      </a:r>
+                      <a:endParaRPr lang="en-US" sz="2000" dirty="0"/>
+                    </a:p>
+                  </a:txBody>
+                  <a:tcPr anchor="ctr"/>
+                </a:tc>
+              </a:tr>
+              <a:tr h="170261">
+                <a:tc>
+                  <a:txBody>
+                    <a:bodyPr/>
+                    <a:lstStyle/>
+                    <a:p>
+                      <a:pPr algn="ctr"/>
+                      <a:r>
+                        <a:rPr lang="en-US" sz="1100" dirty="0" smtClean="0"/>
+                        <a:t>O/R</a:t>
+                      </a:r>
+                      <a:endParaRPr lang="en-US" sz="1100" dirty="0"/>
+                    </a:p>
+                  </a:txBody>
+                  <a:tcPr/>
+                </a:tc>
+                <a:tc>
+                  <a:txBody>
+                    <a:bodyPr/>
+                    <a:lstStyle/>
+                    <a:p>
+                      <a:pPr algn="ctr"/>
+                      <a:r>
+                        <a:rPr lang="en-US" sz="1100" dirty="0" smtClean="0"/>
+                        <a:t>Mode</a:t>
+                      </a:r>
+                      <a:endParaRPr lang="en-US" sz="1100" dirty="0"/>
+                    </a:p>
+                  </a:txBody>
+                  <a:tcPr/>
+                </a:tc>
+                <a:tc vMerge="1">
+                  <a:txBody>
+                    <a:bodyPr/>
+                    <a:lstStyle/>
+                    <a:p>
+                      <a:endParaRPr lang="en-US" sz="1400" dirty="0"/>
+                    </a:p>
+                  </a:txBody>
+                  <a:tcPr/>
+                </a:tc>
+                <a:tc vMerge="1">
+                  <a:txBody>
+                    <a:bodyPr/>
+                    <a:lstStyle/>
+                    <a:p>
+                      <a:endParaRPr lang="en-US" sz="1400" dirty="0"/>
+                    </a:p>
+                  </a:txBody>
+                  <a:tcPr/>
+                </a:tc>
+              </a:tr>
+            </a:tbl>
+          </a:graphicData>
+        </a:graphic>
+      </p:graphicFrame>
+      <p:graphicFrame>
+        <p:nvGraphicFramePr>
+          <p:cNvPr id="20" name="Table 19"/>
+          <p:cNvGraphicFramePr>
+            <a:graphicFrameLocks noGrp="1"/>
+          </p:cNvGraphicFramePr>
+          <p:nvPr>
+            <p:extLst>
+              <p:ext uri="{D42A27DB-BD31-4B8C-83A1-F6EECF244321}">
+                <p14:modId xmlns:p14="http://schemas.microsoft.com/office/powerpoint/2010/main" val="2455616045"/>
+              </p:ext>
+            </p:extLst>
+          </p:nvPr>
+        </p:nvGraphicFramePr>
+        <p:xfrm>
+          <a:off x="7819947" y="5514982"/>
+          <a:ext cx="1902244" cy="1082040"/>
+        </p:xfrm>
+        <a:graphic>
+          <a:graphicData uri="http://schemas.openxmlformats.org/drawingml/2006/table">
+            <a:tbl>
+              <a:tblPr>
+                <a:tableStyleId>{3C2FFA5D-87B4-456A-9821-1D502468CF0F}</a:tableStyleId>
+              </a:tblPr>
+              <a:tblGrid>
+                <a:gridCol w="571750"/>
+                <a:gridCol w="595006"/>
+                <a:gridCol w="375405"/>
+                <a:gridCol w="360083"/>
+              </a:tblGrid>
+              <a:tr h="266700">
+                <a:tc>
+                  <a:txBody>
+                    <a:bodyPr/>
+                    <a:lstStyle/>
+                    <a:p>
+                      <a:pPr algn="ctr"/>
+                      <a:r>
+                        <a:rPr lang="en-US" sz="1200" b="1" dirty="0" smtClean="0"/>
+                        <a:t>A0</a:t>
+                      </a:r>
+                      <a:endParaRPr lang="en-US" sz="1200" b="1" dirty="0"/>
+                    </a:p>
+                  </a:txBody>
+                  <a:tcPr/>
+                </a:tc>
+                <a:tc>
+                  <a:txBody>
+                    <a:bodyPr/>
+                    <a:lstStyle/>
+                    <a:p>
+                      <a:pPr algn="ctr"/>
+                      <a:r>
+                        <a:rPr lang="en-US" sz="1200" b="1" dirty="0" smtClean="0"/>
+                        <a:t>A1</a:t>
+                      </a:r>
+                      <a:endParaRPr lang="en-US" sz="1200" b="1" dirty="0"/>
+                    </a:p>
+                  </a:txBody>
+                  <a:tcPr/>
+                </a:tc>
+                <a:tc gridSpan="2">
+                  <a:txBody>
+                    <a:bodyPr/>
+                    <a:lstStyle/>
+                    <a:p>
+                      <a:pPr algn="ctr"/>
+                      <a:r>
+                        <a:rPr lang="en-US" sz="1200" b="1" i="1" dirty="0" smtClean="0"/>
+                        <a:t>Default</a:t>
+                      </a:r>
+                      <a:endParaRPr lang="en-US" sz="1100" b="1" i="1" dirty="0"/>
+                    </a:p>
+                  </a:txBody>
+                  <a:tcPr anchor="ctr"/>
+                </a:tc>
+                <a:tc hMerge="1">
+                  <a:txBody>
+                    <a:bodyPr/>
+                    <a:lstStyle/>
+                    <a:p>
+                      <a:endParaRPr lang="en-US" dirty="0"/>
+                    </a:p>
+                  </a:txBody>
+                  <a:tcPr anchor="ctr"/>
+                </a:tc>
+              </a:tr>
+              <a:tr h="121615">
+                <a:tc>
+                  <a:txBody>
+                    <a:bodyPr/>
+                    <a:lstStyle/>
+                    <a:p>
+                      <a:pPr algn="ctr"/>
+                      <a:r>
+                        <a:rPr lang="en-US" sz="1100" dirty="0" smtClean="0"/>
+                        <a:t>S/D</a:t>
+                      </a:r>
+                      <a:endParaRPr lang="en-US" sz="1100" dirty="0"/>
+                    </a:p>
+                  </a:txBody>
+                  <a:tcPr/>
+                </a:tc>
+                <a:tc>
+                  <a:txBody>
+                    <a:bodyPr/>
+                    <a:lstStyle/>
+                    <a:p>
+                      <a:pPr algn="ctr"/>
+                      <a:r>
+                        <a:rPr lang="en-US" sz="1100" dirty="0" smtClean="0"/>
+                        <a:t>O/R</a:t>
+                      </a:r>
+                      <a:endParaRPr lang="en-US" sz="1100" dirty="0"/>
+                    </a:p>
+                  </a:txBody>
+                  <a:tcPr/>
+                </a:tc>
+                <a:tc>
+                  <a:txBody>
+                    <a:bodyPr/>
+                    <a:lstStyle/>
+                    <a:p>
+                      <a:pPr algn="ctr"/>
+                      <a:r>
+                        <a:rPr lang="en-US" sz="1200" b="1" dirty="0" smtClean="0"/>
+                        <a:t>D0</a:t>
+                      </a:r>
+                      <a:endParaRPr lang="en-US" sz="1200" b="1" dirty="0"/>
+                    </a:p>
+                  </a:txBody>
+                  <a:tcPr anchor="ctr"/>
+                </a:tc>
+                <a:tc>
+                  <a:txBody>
+                    <a:bodyPr/>
+                    <a:lstStyle/>
+                    <a:p>
+                      <a:pPr algn="ctr"/>
+                      <a:r>
+                        <a:rPr lang="en-US" sz="1200" b="1" dirty="0" smtClean="0"/>
+                        <a:t>D1</a:t>
+                      </a:r>
+                      <a:endParaRPr lang="en-US" sz="1200" b="1" dirty="0"/>
+                    </a:p>
+                  </a:txBody>
+                  <a:tcPr anchor="ctr"/>
+                </a:tc>
+              </a:tr>
+              <a:tr h="121615">
+                <a:tc>
+                  <a:txBody>
+                    <a:bodyPr/>
+                    <a:lstStyle/>
+                    <a:p>
+                      <a:pPr algn="ctr"/>
+                      <a:r>
+                        <a:rPr lang="en-US" sz="1200" b="1" dirty="0" smtClean="0"/>
+                        <a:t>A2</a:t>
+                      </a:r>
+                      <a:endParaRPr lang="en-US" sz="1200" b="1" dirty="0"/>
+                    </a:p>
+                  </a:txBody>
+                  <a:tcPr/>
+                </a:tc>
+                <a:tc>
+                  <a:txBody>
+                    <a:bodyPr/>
+                    <a:lstStyle/>
+                    <a:p>
+                      <a:pPr algn="ctr"/>
+                      <a:r>
+                        <a:rPr lang="en-US" sz="1200" b="1" dirty="0" smtClean="0"/>
+                        <a:t>A3</a:t>
+                      </a:r>
+                      <a:endParaRPr lang="en-US" sz="1200" b="1" dirty="0"/>
+                    </a:p>
+                  </a:txBody>
+                  <a:tcPr/>
+                </a:tc>
+                <a:tc rowSpan="2">
+                  <a:txBody>
+                    <a:bodyPr/>
+                    <a:lstStyle/>
+                    <a:p>
+                      <a:pPr algn="ctr"/>
+                      <a:r>
+                        <a:rPr lang="en-US" sz="2000" dirty="0" smtClean="0"/>
+                        <a:t>*</a:t>
+                      </a:r>
+                    </a:p>
+                  </a:txBody>
+                  <a:tcPr anchor="ctr"/>
+                </a:tc>
+                <a:tc rowSpan="2">
+                  <a:txBody>
+                    <a:bodyPr/>
+                    <a:lstStyle/>
+                    <a:p>
+                      <a:pPr algn="ctr"/>
+                      <a:endParaRPr lang="en-US" sz="1200" dirty="0"/>
+                    </a:p>
+                  </a:txBody>
+                  <a:tcPr anchor="ctr"/>
+                </a:tc>
+              </a:tr>
+              <a:tr h="170261">
+                <a:tc>
+                  <a:txBody>
+                    <a:bodyPr/>
+                    <a:lstStyle/>
+                    <a:p>
+                      <a:pPr algn="ctr"/>
+                      <a:r>
+                        <a:rPr lang="en-US" sz="1100" dirty="0" smtClean="0"/>
+                        <a:t>Mode</a:t>
+                      </a:r>
+                      <a:endParaRPr lang="en-US" sz="1100" dirty="0"/>
+                    </a:p>
+                  </a:txBody>
+                  <a:tcPr/>
+                </a:tc>
+                <a:tc>
+                  <a:txBody>
+                    <a:bodyPr/>
+                    <a:lstStyle/>
+                    <a:p>
+                      <a:pPr algn="ctr"/>
+                      <a:r>
+                        <a:rPr lang="en-US" sz="1100" dirty="0" smtClean="0"/>
+                        <a:t>Scale</a:t>
+                      </a:r>
+                      <a:endParaRPr lang="en-US" sz="1100" dirty="0"/>
+                    </a:p>
+                  </a:txBody>
+                  <a:tcPr/>
+                </a:tc>
+                <a:tc vMerge="1">
+                  <a:txBody>
+                    <a:bodyPr/>
+                    <a:lstStyle/>
+                    <a:p>
+                      <a:endParaRPr lang="en-US" sz="1400" dirty="0"/>
+                    </a:p>
+                  </a:txBody>
+                  <a:tcPr/>
+                </a:tc>
+                <a:tc vMerge="1">
+                  <a:txBody>
+                    <a:bodyPr/>
+                    <a:lstStyle/>
+                    <a:p>
+                      <a:endParaRPr lang="en-US" sz="1400" dirty="0"/>
+                    </a:p>
+                  </a:txBody>
+                  <a:tcPr/>
+                </a:tc>
+              </a:tr>
+            </a:tbl>
+          </a:graphicData>
+        </a:graphic>
+      </p:graphicFrame>
+      <p:graphicFrame>
+        <p:nvGraphicFramePr>
+          <p:cNvPr id="21" name="Table 20"/>
+          <p:cNvGraphicFramePr>
+            <a:graphicFrameLocks noGrp="1"/>
+          </p:cNvGraphicFramePr>
+          <p:nvPr>
+            <p:extLst>
+              <p:ext uri="{D42A27DB-BD31-4B8C-83A1-F6EECF244321}">
+                <p14:modId xmlns:p14="http://schemas.microsoft.com/office/powerpoint/2010/main" val="3764203593"/>
+              </p:ext>
+            </p:extLst>
+          </p:nvPr>
+        </p:nvGraphicFramePr>
+        <p:xfrm>
+          <a:off x="3833352" y="3944000"/>
+          <a:ext cx="5888839" cy="304799"/>
+        </p:xfrm>
+        <a:graphic>
+          <a:graphicData uri="http://schemas.openxmlformats.org/drawingml/2006/table">
+            <a:tbl>
+              <a:tblPr firstRow="1">
+                <a:tableStyleId>{3C2FFA5D-87B4-456A-9821-1D502468CF0F}</a:tableStyleId>
+              </a:tblPr>
+              <a:tblGrid>
+                <a:gridCol w="5888839"/>
+              </a:tblGrid>
+              <a:tr h="195897">
+                <a:tc>
+                  <a:txBody>
+                    <a:bodyPr/>
+                    <a:lstStyle/>
+                    <a:p>
+                      <a:pPr algn="ctr"/>
+                      <a:r>
+                        <a:rPr lang="en-US" sz="1400" dirty="0" smtClean="0"/>
+                        <a:t>Layouts</a:t>
+                      </a:r>
+                      <a:endParaRPr lang="en-US" sz="1400" dirty="0"/>
+                    </a:p>
+                  </a:txBody>
+                  <a:tcPr/>
+                </a:tc>
+              </a:tr>
+            </a:tbl>
+          </a:graphicData>
+        </a:graphic>
+      </p:graphicFrame>
+      <p:graphicFrame>
+        <p:nvGraphicFramePr>
+          <p:cNvPr id="22" name="Table 21"/>
+          <p:cNvGraphicFramePr>
+            <a:graphicFrameLocks noGrp="1"/>
+          </p:cNvGraphicFramePr>
+          <p:nvPr>
+            <p:extLst>
+              <p:ext uri="{D42A27DB-BD31-4B8C-83A1-F6EECF244321}">
+                <p14:modId xmlns:p14="http://schemas.microsoft.com/office/powerpoint/2010/main" val="833417611"/>
+              </p:ext>
+            </p:extLst>
+          </p:nvPr>
+        </p:nvGraphicFramePr>
+        <p:xfrm>
+          <a:off x="3833352" y="2675595"/>
+          <a:ext cx="2670481" cy="1104900"/>
+        </p:xfrm>
+        <a:graphic>
+          <a:graphicData uri="http://schemas.openxmlformats.org/drawingml/2006/table">
+            <a:tbl>
+              <a:tblPr firstRow="1">
+                <a:tableStyleId>{3C2FFA5D-87B4-456A-9821-1D502468CF0F}</a:tableStyleId>
+              </a:tblPr>
+              <a:tblGrid>
+                <a:gridCol w="524500"/>
+                <a:gridCol w="2145981"/>
+              </a:tblGrid>
+              <a:tr h="163376">
+                <a:tc gridSpan="2">
+                  <a:txBody>
+                    <a:bodyPr/>
+                    <a:lstStyle/>
+                    <a:p>
+                      <a:pPr algn="ctr"/>
+                      <a:r>
+                        <a:rPr lang="en-US" sz="1050" dirty="0" smtClean="0"/>
+                        <a:t>O / R Control Selection</a:t>
+                      </a:r>
+                      <a:endParaRPr lang="en-US" sz="1050" dirty="0"/>
+                    </a:p>
+                  </a:txBody>
+                  <a:tcPr/>
+                </a:tc>
+                <a:tc hMerge="1">
+                  <a:txBody>
+                    <a:bodyPr/>
+                    <a:lstStyle/>
+                    <a:p>
+                      <a:endParaRPr lang="en-US" sz="1400" dirty="0"/>
+                    </a:p>
+                  </a:txBody>
+                  <a:tcPr/>
+                </a:tc>
+              </a:tr>
+              <a:tr h="181529">
+                <a:tc>
+                  <a:txBody>
+                    <a:bodyPr/>
+                    <a:lstStyle/>
+                    <a:p>
+                      <a:pPr algn="ctr"/>
+                      <a:r>
+                        <a:rPr lang="en-US" sz="1100" b="1" dirty="0" smtClean="0"/>
+                        <a:t>*</a:t>
+                      </a:r>
+                      <a:endParaRPr lang="en-US" sz="1100" b="1" dirty="0"/>
+                    </a:p>
+                  </a:txBody>
+                  <a:tcPr anchor="ctr"/>
+                </a:tc>
+                <a:tc>
+                  <a:txBody>
+                    <a:bodyPr/>
+                    <a:lstStyle/>
+                    <a:p>
+                      <a:r>
+                        <a:rPr lang="en-US" sz="800" dirty="0" smtClean="0"/>
+                        <a:t>O/R control sets number of </a:t>
+                      </a:r>
+                      <a:r>
+                        <a:rPr lang="en-US" sz="800" i="1" dirty="0" smtClean="0"/>
+                        <a:t>octaves</a:t>
+                      </a:r>
+                      <a:r>
+                        <a:rPr lang="en-US" sz="800" dirty="0" smtClean="0"/>
+                        <a:t>.</a:t>
+                      </a:r>
+                      <a:endParaRPr lang="en-US" sz="800" dirty="0"/>
+                    </a:p>
+                  </a:txBody>
+                  <a:tcPr anchor="ctr"/>
+                </a:tc>
+              </a:tr>
+              <a:tr h="181529">
+                <a:tc>
+                  <a:txBody>
+                    <a:bodyPr/>
+                    <a:lstStyle/>
+                    <a:p>
+                      <a:pPr algn="ctr"/>
+                      <a:r>
+                        <a:rPr lang="en-US" sz="1100" b="1" dirty="0" smtClean="0"/>
+                        <a:t>**</a:t>
+                      </a:r>
+                      <a:endParaRPr lang="en-US" sz="1100" b="1" dirty="0"/>
+                    </a:p>
+                  </a:txBody>
+                  <a:tcPr anchor="ctr"/>
+                </a:tc>
+                <a:tc>
+                  <a:txBody>
+                    <a:bodyPr/>
+                    <a:lstStyle/>
+                    <a:p>
+                      <a:r>
+                        <a:rPr lang="en-US" sz="800" dirty="0" smtClean="0"/>
+                        <a:t>O/R</a:t>
+                      </a:r>
+                      <a:r>
+                        <a:rPr lang="en-US" sz="800" baseline="0" dirty="0" smtClean="0"/>
+                        <a:t> control sets </a:t>
+                      </a:r>
+                      <a:r>
+                        <a:rPr lang="en-US" sz="800" i="1" baseline="0" dirty="0" smtClean="0"/>
+                        <a:t>root note </a:t>
+                      </a:r>
+                      <a:r>
+                        <a:rPr lang="en-US" sz="800" baseline="0" dirty="0" smtClean="0"/>
+                        <a:t>of </a:t>
+                      </a:r>
+                      <a:r>
+                        <a:rPr lang="en-US" sz="800" baseline="0" dirty="0" err="1" smtClean="0"/>
+                        <a:t>apreggio</a:t>
+                      </a:r>
+                      <a:r>
+                        <a:rPr lang="en-US" sz="800" baseline="0" dirty="0" smtClean="0"/>
+                        <a:t>.</a:t>
+                      </a:r>
+                      <a:endParaRPr lang="en-US" sz="800" dirty="0"/>
+                    </a:p>
+                  </a:txBody>
+                  <a:tcPr anchor="ctr"/>
+                </a:tc>
+              </a:tr>
+              <a:tr h="299523">
+                <a:tc>
+                  <a:txBody>
+                    <a:bodyPr/>
+                    <a:lstStyle/>
+                    <a:p>
+                      <a:pPr algn="ctr"/>
+                      <a:r>
+                        <a:rPr lang="en-US" sz="1100" b="1" dirty="0" smtClean="0"/>
+                        <a:t>***</a:t>
+                      </a:r>
+                      <a:endParaRPr lang="en-US" sz="1100" b="1" dirty="0"/>
+                    </a:p>
+                  </a:txBody>
+                  <a:tcPr anchor="ctr"/>
+                </a:tc>
+                <a:tc>
+                  <a:txBody>
+                    <a:bodyPr/>
+                    <a:lstStyle/>
+                    <a:p>
+                      <a:r>
+                        <a:rPr lang="en-GB" sz="800" dirty="0" smtClean="0"/>
+                        <a:t>O/R control manages </a:t>
+                      </a:r>
+                      <a:r>
+                        <a:rPr lang="en-GB" sz="800" i="1" dirty="0" smtClean="0"/>
+                        <a:t>both</a:t>
+                      </a:r>
+                      <a:r>
+                        <a:rPr lang="en-GB" sz="800" dirty="0" smtClean="0"/>
+                        <a:t> root note (front of range), and number of octaves (back of range).</a:t>
+                      </a:r>
+                      <a:endParaRPr lang="en-US" sz="800" dirty="0"/>
+                    </a:p>
+                  </a:txBody>
+                  <a:tcPr anchor="ctr"/>
+                </a:tc>
+              </a:tr>
+            </a:tbl>
+          </a:graphicData>
+        </a:graphic>
+      </p:graphicFrame>
+      <p:sp>
+        <p:nvSpPr>
+          <p:cNvPr id="23" name="TextBox 22"/>
+          <p:cNvSpPr txBox="1"/>
+          <p:nvPr/>
+        </p:nvSpPr>
+        <p:spPr>
+          <a:xfrm>
+            <a:off x="3833352" y="544260"/>
+            <a:ext cx="2775331" cy="1996479"/>
+          </a:xfrm>
+          <a:prstGeom prst="rect">
+            <a:avLst/>
+          </a:prstGeom>
+          <a:noFill/>
+        </p:spPr>
+        <p:txBody>
+          <a:bodyPr wrap="square" lIns="0" rIns="0" bIns="0" rtlCol="0">
+            <a:noAutofit/>
+          </a:bodyPr>
+          <a:lstStyle/>
+          <a:p>
+            <a:r>
+              <a:rPr lang="en-US" sz="800" b="1" dirty="0" smtClean="0"/>
+              <a:t>Parameters</a:t>
+            </a:r>
+            <a:endParaRPr lang="en-US" sz="800" dirty="0"/>
+          </a:p>
+          <a:p>
+            <a:pPr marL="171450" indent="-171450">
+              <a:buFont typeface="Arial"/>
+              <a:buChar char="•"/>
+            </a:pPr>
+            <a:r>
+              <a:rPr lang="en-US" sz="800" dirty="0" smtClean="0"/>
+              <a:t>Scale of the arpeggio</a:t>
+            </a:r>
+          </a:p>
+          <a:p>
+            <a:pPr marL="171450" indent="-171450">
+              <a:buFont typeface="Arial"/>
+              <a:buChar char="•"/>
+            </a:pPr>
+            <a:r>
+              <a:rPr lang="en-US" sz="800" dirty="0" smtClean="0"/>
+              <a:t>Root note of the arpeggio in the selected scale</a:t>
+            </a:r>
+          </a:p>
+          <a:p>
+            <a:pPr marL="171450" indent="-171450">
+              <a:buFont typeface="Arial"/>
+              <a:buChar char="•"/>
+            </a:pPr>
+            <a:r>
+              <a:rPr lang="en-US" sz="800" dirty="0" smtClean="0"/>
+              <a:t>Distance in scale notes between each arpeggio step</a:t>
+            </a:r>
+          </a:p>
+          <a:p>
+            <a:pPr marL="171450" indent="-171450">
+              <a:buFont typeface="Arial"/>
+              <a:buChar char="•"/>
+            </a:pPr>
+            <a:r>
+              <a:rPr lang="en-US" sz="800" dirty="0" smtClean="0"/>
+              <a:t>Number of steps in the arpeggio</a:t>
+            </a:r>
+          </a:p>
+          <a:p>
+            <a:pPr marL="171450" indent="-171450">
+              <a:buFont typeface="Arial"/>
+              <a:buChar char="•"/>
+            </a:pPr>
+            <a:r>
+              <a:rPr lang="en-US" sz="800" dirty="0" smtClean="0"/>
+              <a:t>Mode of playback of the arpeggio</a:t>
+            </a:r>
+          </a:p>
+          <a:p>
+            <a:pPr marL="171450" indent="-171450">
+              <a:buFont typeface="Arial"/>
+              <a:buChar char="•"/>
+            </a:pPr>
+            <a:r>
+              <a:rPr lang="en-US" sz="800" dirty="0" smtClean="0"/>
+              <a:t>Number of octaves the </a:t>
+            </a:r>
+            <a:r>
+              <a:rPr lang="en-US" sz="800" dirty="0" err="1" smtClean="0"/>
+              <a:t>apreggio</a:t>
+            </a:r>
+            <a:r>
+              <a:rPr lang="en-US" sz="800" dirty="0" smtClean="0"/>
+              <a:t> is repeated over</a:t>
+            </a:r>
+          </a:p>
+          <a:p>
+            <a:endParaRPr lang="en-US" sz="800" dirty="0"/>
+          </a:p>
+          <a:p>
+            <a:r>
+              <a:rPr lang="en-US" sz="800" dirty="0" smtClean="0"/>
+              <a:t>The </a:t>
+            </a:r>
+            <a:r>
+              <a:rPr lang="en-US" sz="800" dirty="0" err="1" smtClean="0"/>
+              <a:t>arpeggiator</a:t>
+            </a:r>
+            <a:r>
+              <a:rPr lang="en-US" sz="800" dirty="0" smtClean="0"/>
+              <a:t> will play up to 5 octaves of notes. If an </a:t>
+            </a:r>
+            <a:r>
+              <a:rPr lang="en-US" sz="800" dirty="0" err="1" smtClean="0"/>
+              <a:t>apreggio</a:t>
+            </a:r>
+            <a:r>
+              <a:rPr lang="en-US" sz="800" dirty="0"/>
+              <a:t> </a:t>
+            </a:r>
+            <a:r>
+              <a:rPr lang="en-US" sz="800" dirty="0" smtClean="0"/>
+              <a:t>tries to play above this, we drop the remainder of it 5 octaves, then continue to play from there, preserving arpeggio length.</a:t>
+            </a:r>
+          </a:p>
+          <a:p>
+            <a:endParaRPr lang="en-US" sz="800" b="1" u="sng" dirty="0"/>
+          </a:p>
+          <a:p>
+            <a:r>
+              <a:rPr lang="en-US" sz="800" b="1" dirty="0" smtClean="0"/>
+              <a:t>Outputs</a:t>
+            </a:r>
+            <a:endParaRPr lang="en-US" sz="800" b="1" u="sng" dirty="0"/>
+          </a:p>
+          <a:p>
+            <a:r>
+              <a:rPr lang="en-US" sz="800" dirty="0"/>
+              <a:t>DAC output gives the 1V/Oct output to send to your oscillator.</a:t>
+            </a:r>
+          </a:p>
+          <a:p>
+            <a:r>
+              <a:rPr lang="en-US" sz="800" dirty="0"/>
+              <a:t>D0 triggers every time the entire arpeggio sequence starts </a:t>
+            </a:r>
+            <a:r>
+              <a:rPr lang="en-US" sz="800" dirty="0" smtClean="0"/>
+              <a:t>again.</a:t>
+            </a:r>
+            <a:endParaRPr lang="en-US" sz="800" dirty="0"/>
+          </a:p>
+          <a:p>
+            <a:r>
+              <a:rPr lang="en-US" sz="800" dirty="0"/>
+              <a:t>D1 triggers every time the arpeggio changes octave</a:t>
+            </a:r>
+            <a:r>
+              <a:rPr lang="en-US" sz="800" dirty="0" smtClean="0"/>
+              <a:t>.</a:t>
+            </a:r>
           </a:p>
         </p:txBody>
       </p:sp>
@@ -5769,6 +6165,13 @@
   <p:clrMapOvr>
     <a:masterClrMapping/>
   </p:clrMapOvr>
+  <p:timing>
+    <p:tnLst>
+      <p:par>
+        <p:cTn xmlns:p14="http://schemas.microsoft.com/office/powerpoint/2010/main" id="1" dur="indefinite" restart="never" nodeType="tmRoot"/>
+      </p:par>
+    </p:tnLst>
+  </p:timing>
 </p:sld>
 </file>
 

--- a/FlexArp Instructions.pptx
+++ b/FlexArp Instructions.pptx
@@ -3380,7 +3380,6 @@
               <a:rPr lang="en-US" sz="1100" b="1" dirty="0" smtClean="0"/>
               <a:t>Control Mode - Layouts</a:t>
             </a:r>
-            <a:endParaRPr lang="en-US" sz="1100" b="1" dirty="0" smtClean="0"/>
           </a:p>
           <a:p>
             <a:endParaRPr lang="en-US" sz="1100" dirty="0" smtClean="0"/>
@@ -3388,23 +3387,7 @@
           <a:p>
             <a:r>
               <a:rPr lang="en-US" sz="1100" dirty="0" smtClean="0"/>
-              <a:t>Control mode allows you to select which </a:t>
-            </a:r>
-            <a:r>
-              <a:rPr lang="en-US" sz="1100" dirty="0" smtClean="0"/>
-              <a:t>parameters are </a:t>
-            </a:r>
-            <a:r>
-              <a:rPr lang="en-US" sz="1100" dirty="0" smtClean="0"/>
-              <a:t>assigned to which of the analog inputs, and therefore which </a:t>
-            </a:r>
-            <a:r>
-              <a:rPr lang="en-US" sz="1100" dirty="0" smtClean="0"/>
-              <a:t>parameters you </a:t>
-            </a:r>
-            <a:r>
-              <a:rPr lang="en-US" sz="1100" dirty="0" smtClean="0"/>
-              <a:t>can use CV to control, and which are manual only.</a:t>
+              <a:t>Control mode allows you to select which parameters are assigned to which of the analog inputs, and therefore which parameters you can use CV to control, and which are manual only.</a:t>
             </a:r>
           </a:p>
           <a:p>
@@ -3417,11 +3400,7 @@
             </a:r>
             <a:r>
               <a:rPr lang="en-US" sz="1100" smtClean="0"/>
-              <a:t>enter </a:t>
-            </a:r>
-            <a:r>
-              <a:rPr lang="en-US" sz="1100" smtClean="0"/>
-              <a:t>control </a:t>
+              <a:t>enter control </a:t>
             </a:r>
             <a:r>
               <a:rPr lang="en-US" sz="1100" dirty="0"/>
@@ -3433,70 +3412,22 @@
             </a:r>
             <a:r>
               <a:rPr lang="en-US" sz="1100" dirty="0" smtClean="0"/>
-              <a:t>, turn the </a:t>
-            </a:r>
+              <a:t>, turn the A2 and A3 controls all the way up.</a:t>
+            </a:r>
+          </a:p>
+          <a:p>
             <a:r>
               <a:rPr lang="en-US" sz="1100" dirty="0" smtClean="0"/>
-              <a:t>A2 and A3 controls </a:t>
-            </a:r>
+              <a:t>Then use the A2 control to select the layout you want (all variations detailed below). The status of the two LEDs shows which layout you have selected. Once you’ve selected your layout, turn down control A3 to exit control mode and return to normal operation.</a:t>
+            </a:r>
+          </a:p>
+          <a:p>
+            <a:endParaRPr lang="en-US" sz="1100" dirty="0" smtClean="0"/>
+          </a:p>
+          <a:p>
             <a:r>
               <a:rPr lang="en-US" sz="1100" dirty="0" smtClean="0"/>
-              <a:t>all the way up.</a:t>
-            </a:r>
-          </a:p>
-          <a:p>
-            <a:r>
-              <a:rPr lang="en-US" sz="1100" dirty="0" smtClean="0"/>
-              <a:t>Then use the A2 control to select the layout you want (all variations detailed below)</a:t>
-            </a:r>
-            <a:r>
-              <a:rPr lang="en-US" sz="1100" dirty="0" smtClean="0"/>
-              <a:t>. The </a:t>
-            </a:r>
-            <a:r>
-              <a:rPr lang="en-US" sz="1100" dirty="0" smtClean="0"/>
-              <a:t>status of the two LEDs shows which layout you have </a:t>
-            </a:r>
-            <a:r>
-              <a:rPr lang="en-US" sz="1100" dirty="0" smtClean="0"/>
-              <a:t>selected. Once </a:t>
-            </a:r>
-            <a:r>
-              <a:rPr lang="en-US" sz="1100" dirty="0" smtClean="0"/>
-              <a:t>you’ve selected your layout, turn down control A3 to </a:t>
-            </a:r>
-            <a:r>
-              <a:rPr lang="en-US" sz="1100" dirty="0" smtClean="0"/>
-              <a:t>exit control mode and return </a:t>
-            </a:r>
-            <a:r>
-              <a:rPr lang="en-US" sz="1100" dirty="0" smtClean="0"/>
-              <a:t>to normal operation.</a:t>
-            </a:r>
-          </a:p>
-          <a:p>
-            <a:endParaRPr lang="en-US" sz="1100" dirty="0" smtClean="0"/>
-          </a:p>
-          <a:p>
-            <a:r>
-              <a:rPr lang="en-US" sz="1100" dirty="0" smtClean="0"/>
-              <a:t>You can also enter this mode on the fly using </a:t>
-            </a:r>
-            <a:r>
-              <a:rPr lang="en-US" sz="1100" dirty="0" smtClean="0"/>
-              <a:t>CV, then switch </a:t>
-            </a:r>
-            <a:r>
-              <a:rPr lang="en-US" sz="1100" dirty="0" smtClean="0"/>
-              <a:t>between </a:t>
-            </a:r>
-            <a:r>
-              <a:rPr lang="en-US" sz="1100" dirty="0" smtClean="0"/>
-              <a:t>layouts using </a:t>
-            </a:r>
-            <a:r>
-              <a:rPr lang="en-US" sz="1100" dirty="0" smtClean="0"/>
-              <a:t>a CV source. The same CV source will then influence different parameters once control mode is exited (which again, you would do by changing the appropriate CV). Some pretty complex automation of this can be achieved using </a:t>
+              <a:t>You can also enter this mode on the fly using CV, then switch between layouts using a CV source. The same CV source will then influence different parameters once control mode is exited (which again, you would do by changing the appropriate CV). Some pretty complex automation of this can be achieved using </a:t>
             </a:r>
             <a:r>
               <a:rPr lang="en-US" sz="1100" dirty="0"/>
@@ -3504,11 +3435,7 @@
             </a:r>
             <a:r>
               <a:rPr lang="en-US" sz="1100" dirty="0" smtClean="0"/>
-              <a:t>oltage controlled </a:t>
-            </a:r>
-            <a:r>
-              <a:rPr lang="en-US" sz="1100" dirty="0" smtClean="0"/>
-              <a:t>switches, although this is non-trivial, and needs a VC switch (with 2 inputs on each) for each of the 4 knobs to be completely effective.</a:t>
+              <a:t>oltage controlled switches, although this is non-trivial, and needs a VC switch (with 2 inputs on each) for each of the 4 knobs to be completely effective.</a:t>
             </a:r>
           </a:p>
           <a:p>
@@ -3545,11 +3472,7 @@
             </a:r>
             <a:r>
               <a:rPr lang="en-US" sz="1100" dirty="0" smtClean="0"/>
-              <a:t>note, the </a:t>
-            </a:r>
-            <a:r>
-              <a:rPr lang="en-US" sz="1100" dirty="0" smtClean="0"/>
-              <a:t>default number of octaves to be used for the arpeggio can be set in control mode using A1. Feedback on the number of octaves selected is provided through flashes of D1.</a:t>
+              <a:t>note, the default number of octaves to be used for the arpeggio can be set in control mode using A1. Feedback on the number of octaves selected is provided through flashes of D1.</a:t>
             </a:r>
           </a:p>
           <a:p>
@@ -4330,11 +4253,7 @@
                       </a:r>
                       <a:r>
                         <a:rPr lang="en-US" sz="900" baseline="0" dirty="0" smtClean="0"/>
-                        <a:t> of the arpeggio (1 to 5), with each being transposed to the next octave </a:t>
-                      </a:r>
-                      <a:r>
-                        <a:rPr lang="en-US" sz="900" baseline="0" dirty="0" smtClean="0"/>
-                        <a:t>up, and also sets the root note of the arpeggio. The exact </a:t>
+                        <a:t> of the arpeggio (1 to 5), with each being transposed to the next octave up, and also sets the root note of the arpeggio. The exact </a:t>
                       </a:r>
                       <a:r>
                         <a:rPr lang="en-US" sz="900" baseline="0" dirty="0" err="1" smtClean="0"/>
@@ -4447,7 +4366,7 @@
           <p:nvPr>
             <p:extLst>
               <p:ext uri="{D42A27DB-BD31-4B8C-83A1-F6EECF244321}">
-                <p14:modId xmlns:p14="http://schemas.microsoft.com/office/powerpoint/2010/main" val="797502327"/>
+                <p14:modId xmlns:p14="http://schemas.microsoft.com/office/powerpoint/2010/main" val="2159064494"/>
               </p:ext>
             </p:extLst>
           </p:nvPr>
@@ -4505,11 +4424,7 @@
                     <a:lstStyle/>
                     <a:p>
                       <a:pPr algn="ctr"/>
-                      <a:r>
-                        <a:rPr lang="en-US" sz="1200" b="1" i="1" dirty="0" smtClean="0"/>
-                        <a:t>Default</a:t>
-                      </a:r>
-                      <a:endParaRPr lang="en-US" sz="1100" b="1" i="1" dirty="0"/>
+                      <a:endParaRPr lang="en-US" sz="1100" b="1" i="0" dirty="0"/>
                     </a:p>
                   </a:txBody>
                   <a:tcPr anchor="ctr"/>
@@ -4710,7 +4625,7 @@
           <p:nvPr>
             <p:extLst>
               <p:ext uri="{D42A27DB-BD31-4B8C-83A1-F6EECF244321}">
-                <p14:modId xmlns:p14="http://schemas.microsoft.com/office/powerpoint/2010/main" val="3154542883"/>
+                <p14:modId xmlns:p14="http://schemas.microsoft.com/office/powerpoint/2010/main" val="593280208"/>
               </p:ext>
             </p:extLst>
           </p:nvPr>
@@ -4768,10 +4683,6 @@
                     <a:lstStyle/>
                     <a:p>
                       <a:pPr algn="ctr"/>
-                      <a:r>
-                        <a:rPr lang="en-US" sz="1200" b="1" i="1" dirty="0" smtClean="0"/>
-                        <a:t>Default</a:t>
-                      </a:r>
                       <a:endParaRPr lang="en-US" sz="1100" b="1" i="1" dirty="0"/>
                     </a:p>
                   </a:txBody>
@@ -4972,7 +4883,7 @@
           <p:nvPr>
             <p:extLst>
               <p:ext uri="{D42A27DB-BD31-4B8C-83A1-F6EECF244321}">
-                <p14:modId xmlns:p14="http://schemas.microsoft.com/office/powerpoint/2010/main" val="2680997665"/>
+                <p14:modId xmlns:p14="http://schemas.microsoft.com/office/powerpoint/2010/main" val="267785861"/>
               </p:ext>
             </p:extLst>
           </p:nvPr>
@@ -5030,10 +4941,6 @@
                     <a:lstStyle/>
                     <a:p>
                       <a:pPr algn="ctr"/>
-                      <a:r>
-                        <a:rPr lang="en-US" sz="1200" b="1" i="1" dirty="0" smtClean="0"/>
-                        <a:t>Default</a:t>
-                      </a:r>
                       <a:endParaRPr lang="en-US" sz="1100" b="1" i="1" dirty="0"/>
                     </a:p>
                   </a:txBody>
@@ -5239,7 +5146,7 @@
           <p:nvPr>
             <p:extLst>
               <p:ext uri="{D42A27DB-BD31-4B8C-83A1-F6EECF244321}">
-                <p14:modId xmlns:p14="http://schemas.microsoft.com/office/powerpoint/2010/main" val="3631295054"/>
+                <p14:modId xmlns:p14="http://schemas.microsoft.com/office/powerpoint/2010/main" val="489421234"/>
               </p:ext>
             </p:extLst>
           </p:nvPr>
@@ -5297,10 +5204,6 @@
                     <a:lstStyle/>
                     <a:p>
                       <a:pPr algn="ctr"/>
-                      <a:r>
-                        <a:rPr lang="en-US" sz="1200" b="1" i="1" dirty="0" smtClean="0"/>
-                        <a:t>Default</a:t>
-                      </a:r>
                       <a:endParaRPr lang="en-US" sz="1100" b="1" i="1" dirty="0"/>
                     </a:p>
                   </a:txBody>
@@ -5502,7 +5405,7 @@
           <p:nvPr>
             <p:extLst>
               <p:ext uri="{D42A27DB-BD31-4B8C-83A1-F6EECF244321}">
-                <p14:modId xmlns:p14="http://schemas.microsoft.com/office/powerpoint/2010/main" val="2455616045"/>
+                <p14:modId xmlns:p14="http://schemas.microsoft.com/office/powerpoint/2010/main" val="2881426673"/>
               </p:ext>
             </p:extLst>
           </p:nvPr>
@@ -5560,10 +5463,6 @@
                     <a:lstStyle/>
                     <a:p>
                       <a:pPr algn="ctr"/>
-                      <a:r>
-                        <a:rPr lang="en-US" sz="1200" b="1" i="1" dirty="0" smtClean="0"/>
-                        <a:t>Default</a:t>
-                      </a:r>
                       <a:endParaRPr lang="en-US" sz="1100" b="1" i="1" dirty="0"/>
                     </a:p>
                   </a:txBody>

--- a/FlexArp Instructions.pptx
+++ b/FlexArp Instructions.pptx
@@ -288,7 +288,7 @@
           <a:p>
             <a:fld id="{73D855BC-C728-3C42-B83D-0B94B1AC99DE}" type="datetimeFigureOut">
               <a:rPr lang="en-US" smtClean="0"/>
-              <a:t>08/09/2013</a:t>
+              <a:t>09/09/2013</a:t>
             </a:fld>
             <a:endParaRPr lang="en-US"/>
           </a:p>
@@ -458,7 +458,7 @@
           <a:p>
             <a:fld id="{73D855BC-C728-3C42-B83D-0B94B1AC99DE}" type="datetimeFigureOut">
               <a:rPr lang="en-US" smtClean="0"/>
-              <a:t>08/09/2013</a:t>
+              <a:t>09/09/2013</a:t>
             </a:fld>
             <a:endParaRPr lang="en-US"/>
           </a:p>
@@ -638,7 +638,7 @@
           <a:p>
             <a:fld id="{73D855BC-C728-3C42-B83D-0B94B1AC99DE}" type="datetimeFigureOut">
               <a:rPr lang="en-US" smtClean="0"/>
-              <a:t>08/09/2013</a:t>
+              <a:t>09/09/2013</a:t>
             </a:fld>
             <a:endParaRPr lang="en-US"/>
           </a:p>
@@ -808,7 +808,7 @@
           <a:p>
             <a:fld id="{73D855BC-C728-3C42-B83D-0B94B1AC99DE}" type="datetimeFigureOut">
               <a:rPr lang="en-US" smtClean="0"/>
-              <a:t>08/09/2013</a:t>
+              <a:t>09/09/2013</a:t>
             </a:fld>
             <a:endParaRPr lang="en-US"/>
           </a:p>
@@ -1054,7 +1054,7 @@
           <a:p>
             <a:fld id="{73D855BC-C728-3C42-B83D-0B94B1AC99DE}" type="datetimeFigureOut">
               <a:rPr lang="en-US" smtClean="0"/>
-              <a:t>08/09/2013</a:t>
+              <a:t>09/09/2013</a:t>
             </a:fld>
             <a:endParaRPr lang="en-US"/>
           </a:p>
@@ -1342,7 +1342,7 @@
           <a:p>
             <a:fld id="{73D855BC-C728-3C42-B83D-0B94B1AC99DE}" type="datetimeFigureOut">
               <a:rPr lang="en-US" smtClean="0"/>
-              <a:t>08/09/2013</a:t>
+              <a:t>09/09/2013</a:t>
             </a:fld>
             <a:endParaRPr lang="en-US"/>
           </a:p>
@@ -1764,7 +1764,7 @@
           <a:p>
             <a:fld id="{73D855BC-C728-3C42-B83D-0B94B1AC99DE}" type="datetimeFigureOut">
               <a:rPr lang="en-US" smtClean="0"/>
-              <a:t>08/09/2013</a:t>
+              <a:t>09/09/2013</a:t>
             </a:fld>
             <a:endParaRPr lang="en-US"/>
           </a:p>
@@ -1882,7 +1882,7 @@
           <a:p>
             <a:fld id="{73D855BC-C728-3C42-B83D-0B94B1AC99DE}" type="datetimeFigureOut">
               <a:rPr lang="en-US" smtClean="0"/>
-              <a:t>08/09/2013</a:t>
+              <a:t>09/09/2013</a:t>
             </a:fld>
             <a:endParaRPr lang="en-US"/>
           </a:p>
@@ -1977,7 +1977,7 @@
           <a:p>
             <a:fld id="{73D855BC-C728-3C42-B83D-0B94B1AC99DE}" type="datetimeFigureOut">
               <a:rPr lang="en-US" smtClean="0"/>
-              <a:t>08/09/2013</a:t>
+              <a:t>09/09/2013</a:t>
             </a:fld>
             <a:endParaRPr lang="en-US"/>
           </a:p>
@@ -2254,7 +2254,7 @@
           <a:p>
             <a:fld id="{73D855BC-C728-3C42-B83D-0B94B1AC99DE}" type="datetimeFigureOut">
               <a:rPr lang="en-US" smtClean="0"/>
-              <a:t>08/09/2013</a:t>
+              <a:t>09/09/2013</a:t>
             </a:fld>
             <a:endParaRPr lang="en-US"/>
           </a:p>
@@ -2507,7 +2507,7 @@
           <a:p>
             <a:fld id="{73D855BC-C728-3C42-B83D-0B94B1AC99DE}" type="datetimeFigureOut">
               <a:rPr lang="en-US" smtClean="0"/>
-              <a:t>08/09/2013</a:t>
+              <a:t>09/09/2013</a:t>
             </a:fld>
             <a:endParaRPr lang="en-US"/>
           </a:p>
@@ -2720,7 +2720,7 @@
           <a:p>
             <a:fld id="{73D855BC-C728-3C42-B83D-0B94B1AC99DE}" type="datetimeFigureOut">
               <a:rPr lang="en-US" smtClean="0"/>
-              <a:t>08/09/2013</a:t>
+              <a:t>09/09/2013</a:t>
             </a:fld>
             <a:endParaRPr lang="en-US"/>
           </a:p>
@@ -5975,15 +5975,19 @@
             </a:pPr>
             <a:r>
               <a:rPr lang="en-US" sz="800" dirty="0" smtClean="0"/>
-              <a:t>Number of octaves the </a:t>
-            </a:r>
-            <a:r>
-              <a:rPr lang="en-US" sz="800" dirty="0" err="1" smtClean="0"/>
-              <a:t>apreggio</a:t>
+              <a:t>Number of octaves </a:t>
+            </a:r>
+            <a:r>
+              <a:rPr lang="en-US" sz="800" smtClean="0"/>
+              <a:t>the </a:t>
+            </a:r>
+            <a:r>
+              <a:rPr lang="en-US" sz="800" smtClean="0"/>
+              <a:t>arpeggio </a:t>
             </a:r>
             <a:r>
               <a:rPr lang="en-US" sz="800" dirty="0" smtClean="0"/>
-              <a:t> is repeated over</a:t>
+              <a:t>is repeated over</a:t>
             </a:r>
           </a:p>
           <a:p>

--- a/FlexArp Instructions.pptx
+++ b/FlexArp Instructions.pptx
@@ -288,7 +288,7 @@
           <a:p>
             <a:fld id="{73D855BC-C728-3C42-B83D-0B94B1AC99DE}" type="datetimeFigureOut">
               <a:rPr lang="en-US" smtClean="0"/>
-              <a:t>09/09/2013</a:t>
+              <a:t>10/09/2013</a:t>
             </a:fld>
             <a:endParaRPr lang="en-US"/>
           </a:p>
@@ -458,7 +458,7 @@
           <a:p>
             <a:fld id="{73D855BC-C728-3C42-B83D-0B94B1AC99DE}" type="datetimeFigureOut">
               <a:rPr lang="en-US" smtClean="0"/>
-              <a:t>09/09/2013</a:t>
+              <a:t>10/09/2013</a:t>
             </a:fld>
             <a:endParaRPr lang="en-US"/>
           </a:p>
@@ -638,7 +638,7 @@
           <a:p>
             <a:fld id="{73D855BC-C728-3C42-B83D-0B94B1AC99DE}" type="datetimeFigureOut">
               <a:rPr lang="en-US" smtClean="0"/>
-              <a:t>09/09/2013</a:t>
+              <a:t>10/09/2013</a:t>
             </a:fld>
             <a:endParaRPr lang="en-US"/>
           </a:p>
@@ -808,7 +808,7 @@
           <a:p>
             <a:fld id="{73D855BC-C728-3C42-B83D-0B94B1AC99DE}" type="datetimeFigureOut">
               <a:rPr lang="en-US" smtClean="0"/>
-              <a:t>09/09/2013</a:t>
+              <a:t>10/09/2013</a:t>
             </a:fld>
             <a:endParaRPr lang="en-US"/>
           </a:p>
@@ -1054,7 +1054,7 @@
           <a:p>
             <a:fld id="{73D855BC-C728-3C42-B83D-0B94B1AC99DE}" type="datetimeFigureOut">
               <a:rPr lang="en-US" smtClean="0"/>
-              <a:t>09/09/2013</a:t>
+              <a:t>10/09/2013</a:t>
             </a:fld>
             <a:endParaRPr lang="en-US"/>
           </a:p>
@@ -1342,7 +1342,7 @@
           <a:p>
             <a:fld id="{73D855BC-C728-3C42-B83D-0B94B1AC99DE}" type="datetimeFigureOut">
               <a:rPr lang="en-US" smtClean="0"/>
-              <a:t>09/09/2013</a:t>
+              <a:t>10/09/2013</a:t>
             </a:fld>
             <a:endParaRPr lang="en-US"/>
           </a:p>
@@ -1764,7 +1764,7 @@
           <a:p>
             <a:fld id="{73D855BC-C728-3C42-B83D-0B94B1AC99DE}" type="datetimeFigureOut">
               <a:rPr lang="en-US" smtClean="0"/>
-              <a:t>09/09/2013</a:t>
+              <a:t>10/09/2013</a:t>
             </a:fld>
             <a:endParaRPr lang="en-US"/>
           </a:p>
@@ -1882,7 +1882,7 @@
           <a:p>
             <a:fld id="{73D855BC-C728-3C42-B83D-0B94B1AC99DE}" type="datetimeFigureOut">
               <a:rPr lang="en-US" smtClean="0"/>
-              <a:t>09/09/2013</a:t>
+              <a:t>10/09/2013</a:t>
             </a:fld>
             <a:endParaRPr lang="en-US"/>
           </a:p>
@@ -1977,7 +1977,7 @@
           <a:p>
             <a:fld id="{73D855BC-C728-3C42-B83D-0B94B1AC99DE}" type="datetimeFigureOut">
               <a:rPr lang="en-US" smtClean="0"/>
-              <a:t>09/09/2013</a:t>
+              <a:t>10/09/2013</a:t>
             </a:fld>
             <a:endParaRPr lang="en-US"/>
           </a:p>
@@ -2254,7 +2254,7 @@
           <a:p>
             <a:fld id="{73D855BC-C728-3C42-B83D-0B94B1AC99DE}" type="datetimeFigureOut">
               <a:rPr lang="en-US" smtClean="0"/>
-              <a:t>09/09/2013</a:t>
+              <a:t>10/09/2013</a:t>
             </a:fld>
             <a:endParaRPr lang="en-US"/>
           </a:p>
@@ -2507,7 +2507,7 @@
           <a:p>
             <a:fld id="{73D855BC-C728-3C42-B83D-0B94B1AC99DE}" type="datetimeFigureOut">
               <a:rPr lang="en-US" smtClean="0"/>
-              <a:t>09/09/2013</a:t>
+              <a:t>10/09/2013</a:t>
             </a:fld>
             <a:endParaRPr lang="en-US"/>
           </a:p>
@@ -2720,7 +2720,7 @@
           <a:p>
             <a:fld id="{73D855BC-C728-3C42-B83D-0B94B1AC99DE}" type="datetimeFigureOut">
               <a:rPr lang="en-US" smtClean="0"/>
-              <a:t>09/09/2013</a:t>
+              <a:t>10/09/2013</a:t>
             </a:fld>
             <a:endParaRPr lang="en-US"/>
           </a:p>
@@ -3385,46 +3385,44 @@
             <a:endParaRPr lang="en-US" sz="1100" dirty="0" smtClean="0"/>
           </a:p>
           <a:p>
+            <a:pPr algn="just"/>
             <a:r>
               <a:rPr lang="en-US" sz="1100" dirty="0" smtClean="0"/>
               <a:t>Control mode allows you to select which parameters are assigned to which of the analog inputs, and therefore which parameters you can use CV to control, and which are manual only.</a:t>
             </a:r>
           </a:p>
           <a:p>
+            <a:pPr algn="just"/>
             <a:endParaRPr lang="en-US" sz="1100" dirty="0"/>
           </a:p>
           <a:p>
+            <a:pPr algn="just"/>
             <a:r>
               <a:rPr lang="en-US" sz="1100" dirty="0" smtClean="0"/>
-              <a:t>To </a:t>
-            </a:r>
-            <a:r>
-              <a:rPr lang="en-US" sz="1100" smtClean="0"/>
-              <a:t>enter control </a:t>
+              <a:t>To enter control </a:t>
             </a:r>
             <a:r>
               <a:rPr lang="en-US" sz="1100" dirty="0"/>
               <a:t>m</a:t>
             </a:r>
             <a:r>
-              <a:rPr lang="en-US" sz="1100" smtClean="0"/>
-              <a:t>ode</a:t>
-            </a:r>
-            <a:r>
               <a:rPr lang="en-US" sz="1100" dirty="0" smtClean="0"/>
-              <a:t>, turn the A2 and A3 controls all the way up.</a:t>
-            </a:r>
-          </a:p>
-          <a:p>
+              <a:t>ode, turn the A2 and A3 controls all the way up.</a:t>
+            </a:r>
+          </a:p>
+          <a:p>
+            <a:pPr algn="just"/>
             <a:r>
               <a:rPr lang="en-US" sz="1100" dirty="0" smtClean="0"/>
               <a:t>Then use the A2 control to select the layout you want (all variations detailed below). The status of the two LEDs shows which layout you have selected. Once you’ve selected your layout, turn down control A3 to exit control mode and return to normal operation.</a:t>
             </a:r>
           </a:p>
           <a:p>
+            <a:pPr algn="just"/>
             <a:endParaRPr lang="en-US" sz="1100" dirty="0" smtClean="0"/>
           </a:p>
           <a:p>
+            <a:pPr algn="just"/>
             <a:r>
               <a:rPr lang="en-US" sz="1100" dirty="0" smtClean="0"/>
               <a:t>You can also enter this mode on the fly using CV, then switch between layouts using a CV source. The same CV source will then influence different parameters once control mode is exited (which again, you would do by changing the appropriate CV). Some pretty complex automation of this can be achieved using </a:t>
@@ -3456,12 +3454,14 @@
             <a:endParaRPr lang="en-US" sz="1100" dirty="0"/>
           </a:p>
           <a:p>
+            <a:pPr algn="just"/>
             <a:r>
               <a:rPr lang="en-US" sz="1100" dirty="0" smtClean="0"/>
               <a:t>When in control mode, A0 will set the function that the O/R control will perform. When the selection is changed,  D0 will flash from 1 to 3 times to indicate which option is selected.</a:t>
             </a:r>
           </a:p>
           <a:p>
+            <a:pPr algn="just"/>
             <a:r>
               <a:rPr lang="en-US" sz="1100" dirty="0" smtClean="0"/>
               <a:t>When </a:t>
@@ -3476,6 +3476,7 @@
             </a:r>
           </a:p>
           <a:p>
+            <a:pPr algn="just"/>
             <a:r>
               <a:rPr lang="en-US" sz="1100" dirty="0" smtClean="0"/>
               <a:t>When </a:t>
@@ -4424,7 +4425,7 @@
                     <a:lstStyle/>
                     <a:p>
                       <a:pPr algn="ctr"/>
-                      <a:endParaRPr lang="en-US" sz="1100" b="1" i="0" dirty="0"/>
+                      <a:endParaRPr lang="en-US" sz="1200" b="1" dirty="0"/>
                     </a:p>
                   </a:txBody>
                   <a:tcPr anchor="ctr"/>
@@ -5975,19 +5976,7 @@
             </a:pPr>
             <a:r>
               <a:rPr lang="en-US" sz="800" dirty="0" smtClean="0"/>
-              <a:t>Number of octaves </a:t>
-            </a:r>
-            <a:r>
-              <a:rPr lang="en-US" sz="800" smtClean="0"/>
-              <a:t>the </a:t>
-            </a:r>
-            <a:r>
-              <a:rPr lang="en-US" sz="800" smtClean="0"/>
-              <a:t>arpeggio </a:t>
-            </a:r>
-            <a:r>
-              <a:rPr lang="en-US" sz="800" dirty="0" smtClean="0"/>
-              <a:t>is repeated over</a:t>
+              <a:t>Number of octaves the arpeggio is repeated over</a:t>
             </a:r>
           </a:p>
           <a:p>
